--- a/cs3100/cs3100f20-master/CanvasContents/Slides/Lec5/Lec5.pptx
+++ b/cs3100/cs3100f20-master/CanvasContents/Slides/Lec5/Lec5.pptx
@@ -5,47 +5,53 @@
     <p:sldMasterId id="2147483648" r:id="rId1"/>
   </p:sldMasterIdLst>
   <p:notesMasterIdLst>
-    <p:notesMasterId r:id="rId37"/>
+    <p:notesMasterId r:id="rId43"/>
   </p:notesMasterIdLst>
   <p:handoutMasterIdLst>
-    <p:handoutMasterId r:id="rId38"/>
+    <p:handoutMasterId r:id="rId44"/>
   </p:handoutMasterIdLst>
   <p:sldIdLst>
     <p:sldId id="414" r:id="rId2"/>
-    <p:sldId id="917" r:id="rId3"/>
-    <p:sldId id="856" r:id="rId4"/>
-    <p:sldId id="910" r:id="rId5"/>
-    <p:sldId id="909" r:id="rId6"/>
-    <p:sldId id="911" r:id="rId7"/>
-    <p:sldId id="864" r:id="rId8"/>
-    <p:sldId id="918" r:id="rId9"/>
-    <p:sldId id="853" r:id="rId10"/>
-    <p:sldId id="913" r:id="rId11"/>
-    <p:sldId id="914" r:id="rId12"/>
-    <p:sldId id="915" r:id="rId13"/>
-    <p:sldId id="912" r:id="rId14"/>
-    <p:sldId id="860" r:id="rId15"/>
-    <p:sldId id="916" r:id="rId16"/>
-    <p:sldId id="907" r:id="rId17"/>
-    <p:sldId id="908" r:id="rId18"/>
-    <p:sldId id="764" r:id="rId19"/>
-    <p:sldId id="870" r:id="rId20"/>
-    <p:sldId id="921" r:id="rId21"/>
-    <p:sldId id="880" r:id="rId22"/>
-    <p:sldId id="881" r:id="rId23"/>
-    <p:sldId id="883" r:id="rId24"/>
-    <p:sldId id="884" r:id="rId25"/>
-    <p:sldId id="922" r:id="rId26"/>
-    <p:sldId id="923" r:id="rId27"/>
-    <p:sldId id="924" r:id="rId28"/>
-    <p:sldId id="925" r:id="rId29"/>
-    <p:sldId id="926" r:id="rId30"/>
-    <p:sldId id="927" r:id="rId31"/>
-    <p:sldId id="882" r:id="rId32"/>
-    <p:sldId id="885" r:id="rId33"/>
-    <p:sldId id="919" r:id="rId34"/>
-    <p:sldId id="893" r:id="rId35"/>
-    <p:sldId id="928" r:id="rId36"/>
+    <p:sldId id="929" r:id="rId3"/>
+    <p:sldId id="934" r:id="rId4"/>
+    <p:sldId id="933" r:id="rId5"/>
+    <p:sldId id="930" r:id="rId6"/>
+    <p:sldId id="931" r:id="rId7"/>
+    <p:sldId id="932" r:id="rId8"/>
+    <p:sldId id="917" r:id="rId9"/>
+    <p:sldId id="856" r:id="rId10"/>
+    <p:sldId id="910" r:id="rId11"/>
+    <p:sldId id="909" r:id="rId12"/>
+    <p:sldId id="911" r:id="rId13"/>
+    <p:sldId id="864" r:id="rId14"/>
+    <p:sldId id="918" r:id="rId15"/>
+    <p:sldId id="853" r:id="rId16"/>
+    <p:sldId id="913" r:id="rId17"/>
+    <p:sldId id="914" r:id="rId18"/>
+    <p:sldId id="915" r:id="rId19"/>
+    <p:sldId id="912" r:id="rId20"/>
+    <p:sldId id="860" r:id="rId21"/>
+    <p:sldId id="916" r:id="rId22"/>
+    <p:sldId id="907" r:id="rId23"/>
+    <p:sldId id="908" r:id="rId24"/>
+    <p:sldId id="764" r:id="rId25"/>
+    <p:sldId id="870" r:id="rId26"/>
+    <p:sldId id="921" r:id="rId27"/>
+    <p:sldId id="880" r:id="rId28"/>
+    <p:sldId id="881" r:id="rId29"/>
+    <p:sldId id="883" r:id="rId30"/>
+    <p:sldId id="884" r:id="rId31"/>
+    <p:sldId id="922" r:id="rId32"/>
+    <p:sldId id="923" r:id="rId33"/>
+    <p:sldId id="924" r:id="rId34"/>
+    <p:sldId id="925" r:id="rId35"/>
+    <p:sldId id="926" r:id="rId36"/>
+    <p:sldId id="927" r:id="rId37"/>
+    <p:sldId id="882" r:id="rId38"/>
+    <p:sldId id="885" r:id="rId39"/>
+    <p:sldId id="919" r:id="rId40"/>
+    <p:sldId id="893" r:id="rId41"/>
+    <p:sldId id="928" r:id="rId42"/>
   </p:sldIdLst>
   <p:sldSz cx="12192000" cy="6858000"/>
   <p:notesSz cx="6858000" cy="9144000"/>
@@ -249,7 +255,7 @@
           <a:p>
             <a:fld id="{36B64484-7F23-844A-BCEB-06DFAD827E32}" type="datetimeFigureOut">
               <a:rPr lang="en-US" smtClean="0"/>
-              <a:t>9/6/20</a:t>
+              <a:t>9/10/20</a:t>
             </a:fld>
             <a:endParaRPr lang="en-US"/>
           </a:p>
@@ -426,7 +432,7 @@
           <a:p>
             <a:fld id="{4EBE11B0-21E1-9842-BB37-72784894B0AB}" type="datetimeFigureOut">
               <a:rPr lang="en-US" smtClean="0"/>
-              <a:t>9/6/20</a:t>
+              <a:t>9/10/20</a:t>
             </a:fld>
             <a:endParaRPr lang="en-US"/>
           </a:p>
@@ -3900,6 +3906,1219 @@
       </p:grpSpPr>
       <p:sp>
         <p:nvSpPr>
+          <p:cNvPr id="2" name="Title 1">
+            <a:extLst>
+              <a:ext uri="{FF2B5EF4-FFF2-40B4-BE49-F238E27FC236}">
+                <a16:creationId xmlns:a16="http://schemas.microsoft.com/office/drawing/2014/main" id="{B092AD3A-DA61-E846-9061-53964E1323B4}"/>
+              </a:ext>
+            </a:extLst>
+          </p:cNvPr>
+          <p:cNvSpPr>
+            <a:spLocks noGrp="1"/>
+          </p:cNvSpPr>
+          <p:nvPr>
+            <p:ph type="title"/>
+          </p:nvPr>
+        </p:nvSpPr>
+        <p:spPr/>
+        <p:txBody>
+          <a:bodyPr>
+            <a:normAutofit fontScale="90000"/>
+          </a:bodyPr>
+          <a:lstStyle/>
+          <a:p>
+            <a:r>
+              <a:rPr lang="en-US" dirty="0">
+                <a:solidFill>
+                  <a:srgbClr val="0432FF"/>
+                </a:solidFill>
+              </a:rPr>
+              <a:t>Union of two DFA</a:t>
+            </a:r>
+          </a:p>
+        </p:txBody>
+      </p:sp>
+      <p:sp>
+        <p:nvSpPr>
+          <p:cNvPr id="3" name="Content Placeholder 2">
+            <a:extLst>
+              <a:ext uri="{FF2B5EF4-FFF2-40B4-BE49-F238E27FC236}">
+                <a16:creationId xmlns:a16="http://schemas.microsoft.com/office/drawing/2014/main" id="{FB10BC50-A0A2-CA42-A400-B39E2437E41F}"/>
+              </a:ext>
+            </a:extLst>
+          </p:cNvPr>
+          <p:cNvSpPr>
+            <a:spLocks noGrp="1"/>
+          </p:cNvSpPr>
+          <p:nvPr>
+            <p:ph idx="1"/>
+          </p:nvPr>
+        </p:nvSpPr>
+        <p:spPr/>
+        <p:txBody>
+          <a:bodyPr>
+            <a:normAutofit/>
+          </a:bodyPr>
+          <a:lstStyle/>
+          <a:p>
+            <a:r>
+              <a:rPr lang="en-US" dirty="0"/>
+              <a:t>Given two DFA D1  = </a:t>
+            </a:r>
+            <a:r>
+              <a:rPr lang="en-US" dirty="0">
+                <a:solidFill>
+                  <a:srgbClr val="0432FF"/>
+                </a:solidFill>
+              </a:rPr>
+              <a:t>(Q1, Sigma, delta1, q01, F1) </a:t>
+            </a:r>
+            <a:r>
+              <a:rPr lang="en-US" dirty="0"/>
+              <a:t>and </a:t>
+            </a:r>
+          </a:p>
+          <a:p>
+            <a:r>
+              <a:rPr lang="en-US" dirty="0"/>
+              <a:t>                       D2 = </a:t>
+            </a:r>
+            <a:r>
+              <a:rPr lang="en-US" dirty="0">
+                <a:solidFill>
+                  <a:srgbClr val="945200"/>
+                </a:solidFill>
+              </a:rPr>
+              <a:t>(Q2, Sigma, delta2, q02, F2)</a:t>
+            </a:r>
+          </a:p>
+          <a:p>
+            <a:r>
+              <a:rPr lang="en-US" dirty="0"/>
+              <a:t>Define a new DFA D such that L(D) = L(D1) </a:t>
+            </a:r>
+            <a:r>
+              <a:rPr lang="en-US" dirty="0">
+                <a:solidFill>
+                  <a:srgbClr val="FF0000"/>
+                </a:solidFill>
+              </a:rPr>
+              <a:t>Union</a:t>
+            </a:r>
+            <a:r>
+              <a:rPr lang="en-US" dirty="0"/>
+              <a:t> L(D2) </a:t>
+            </a:r>
+          </a:p>
+          <a:p>
+            <a:r>
+              <a:rPr lang="en-US" dirty="0"/>
+              <a:t>Let D = (Q, Sigma, delta, q0, F)</a:t>
+            </a:r>
+          </a:p>
+          <a:p>
+            <a:r>
+              <a:rPr lang="en-US" dirty="0"/>
+              <a:t>What are these items:</a:t>
+            </a:r>
+          </a:p>
+          <a:p>
+            <a:pPr lvl="1"/>
+            <a:r>
+              <a:rPr lang="en-US" dirty="0">
+                <a:solidFill>
+                  <a:srgbClr val="0432FF"/>
+                </a:solidFill>
+              </a:rPr>
+              <a:t>Q  =  ?</a:t>
+            </a:r>
+          </a:p>
+          <a:p>
+            <a:pPr lvl="1"/>
+            <a:r>
+              <a:rPr lang="en-US" dirty="0">
+                <a:solidFill>
+                  <a:srgbClr val="0432FF"/>
+                </a:solidFill>
+              </a:rPr>
+              <a:t>q0 =  ?</a:t>
+            </a:r>
+          </a:p>
+          <a:p>
+            <a:pPr lvl="1"/>
+            <a:r>
+              <a:rPr lang="en-US" dirty="0">
+                <a:solidFill>
+                  <a:srgbClr val="0432FF"/>
+                </a:solidFill>
+              </a:rPr>
+              <a:t>F   =  ?</a:t>
+            </a:r>
+          </a:p>
+          <a:p>
+            <a:pPr lvl="1"/>
+            <a:r>
+              <a:rPr lang="en-US" dirty="0"/>
+              <a:t>For x in Sigma, what is </a:t>
+            </a:r>
+            <a:r>
+              <a:rPr lang="en-US" dirty="0">
+                <a:solidFill>
+                  <a:srgbClr val="0432FF"/>
+                </a:solidFill>
+              </a:rPr>
+              <a:t>delta( (q1, q2), x ) = ?</a:t>
+            </a:r>
+          </a:p>
+          <a:p>
+            <a:endParaRPr lang="en-US" dirty="0"/>
+          </a:p>
+        </p:txBody>
+      </p:sp>
+      <p:sp>
+        <p:nvSpPr>
+          <p:cNvPr id="4" name="TextBox 3">
+            <a:extLst>
+              <a:ext uri="{FF2B5EF4-FFF2-40B4-BE49-F238E27FC236}">
+                <a16:creationId xmlns:a16="http://schemas.microsoft.com/office/drawing/2014/main" id="{36949EA7-BC49-F34A-BD87-593FE34D5D49}"/>
+              </a:ext>
+            </a:extLst>
+          </p:cNvPr>
+          <p:cNvSpPr txBox="1"/>
+          <p:nvPr/>
+        </p:nvSpPr>
+        <p:spPr>
+          <a:xfrm>
+            <a:off x="7729728" y="4462272"/>
+            <a:ext cx="2730235" cy="369332"/>
+          </a:xfrm>
+          <a:prstGeom prst="rect">
+            <a:avLst/>
+          </a:prstGeom>
+          <a:noFill/>
+        </p:spPr>
+        <p:txBody>
+          <a:bodyPr wrap="none" rtlCol="0">
+            <a:spAutoFit/>
+          </a:bodyPr>
+          <a:lstStyle/>
+          <a:p>
+            <a:r>
+              <a:rPr lang="en-US" dirty="0">
+                <a:solidFill>
+                  <a:srgbClr val="FF0000"/>
+                </a:solidFill>
+              </a:rPr>
+              <a:t>( would you like hints?? )</a:t>
+            </a:r>
+          </a:p>
+        </p:txBody>
+      </p:sp>
+    </p:spTree>
+    <p:extLst>
+      <p:ext uri="{BB962C8B-B14F-4D97-AF65-F5344CB8AC3E}">
+        <p14:creationId xmlns:p14="http://schemas.microsoft.com/office/powerpoint/2010/main" val="2265970254"/>
+      </p:ext>
+    </p:extLst>
+  </p:cSld>
+  <p:clrMapOvr>
+    <a:masterClrMapping/>
+  </p:clrMapOvr>
+</p:sld>
+</file>
+
+<file path=ppt/slides/slide11.xml><?xml version="1.0" encoding="utf-8"?>
+<p:sld xmlns:a="http://schemas.openxmlformats.org/drawingml/2006/main" xmlns:r="http://schemas.openxmlformats.org/officeDocument/2006/relationships" xmlns:p="http://schemas.openxmlformats.org/presentationml/2006/main">
+  <p:cSld>
+    <p:spTree>
+      <p:nvGrpSpPr>
+        <p:cNvPr id="1" name=""/>
+        <p:cNvGrpSpPr/>
+        <p:nvPr/>
+      </p:nvGrpSpPr>
+      <p:grpSpPr>
+        <a:xfrm>
+          <a:off x="0" y="0"/>
+          <a:ext cx="0" cy="0"/>
+          <a:chOff x="0" y="0"/>
+          <a:chExt cx="0" cy="0"/>
+        </a:xfrm>
+      </p:grpSpPr>
+      <p:sp>
+        <p:nvSpPr>
+          <p:cNvPr id="2" name="Title 1">
+            <a:extLst>
+              <a:ext uri="{FF2B5EF4-FFF2-40B4-BE49-F238E27FC236}">
+                <a16:creationId xmlns:a16="http://schemas.microsoft.com/office/drawing/2014/main" id="{B092AD3A-DA61-E846-9061-53964E1323B4}"/>
+              </a:ext>
+            </a:extLst>
+          </p:cNvPr>
+          <p:cNvSpPr>
+            <a:spLocks noGrp="1"/>
+          </p:cNvSpPr>
+          <p:nvPr>
+            <p:ph type="title"/>
+          </p:nvPr>
+        </p:nvSpPr>
+        <p:spPr/>
+        <p:txBody>
+          <a:bodyPr>
+            <a:normAutofit fontScale="90000"/>
+          </a:bodyPr>
+          <a:lstStyle/>
+          <a:p>
+            <a:r>
+              <a:rPr lang="en-US" dirty="0">
+                <a:solidFill>
+                  <a:srgbClr val="0432FF"/>
+                </a:solidFill>
+              </a:rPr>
+              <a:t>Union of two DFA</a:t>
+            </a:r>
+          </a:p>
+        </p:txBody>
+      </p:sp>
+      <p:sp>
+        <p:nvSpPr>
+          <p:cNvPr id="3" name="Content Placeholder 2">
+            <a:extLst>
+              <a:ext uri="{FF2B5EF4-FFF2-40B4-BE49-F238E27FC236}">
+                <a16:creationId xmlns:a16="http://schemas.microsoft.com/office/drawing/2014/main" id="{FB10BC50-A0A2-CA42-A400-B39E2437E41F}"/>
+              </a:ext>
+            </a:extLst>
+          </p:cNvPr>
+          <p:cNvSpPr>
+            <a:spLocks noGrp="1"/>
+          </p:cNvSpPr>
+          <p:nvPr>
+            <p:ph idx="1"/>
+          </p:nvPr>
+        </p:nvSpPr>
+        <p:spPr/>
+        <p:txBody>
+          <a:bodyPr>
+            <a:normAutofit/>
+          </a:bodyPr>
+          <a:lstStyle/>
+          <a:p>
+            <a:r>
+              <a:rPr lang="en-US" dirty="0"/>
+              <a:t>Given two DFA D1  = </a:t>
+            </a:r>
+            <a:r>
+              <a:rPr lang="en-US" dirty="0">
+                <a:solidFill>
+                  <a:srgbClr val="0432FF"/>
+                </a:solidFill>
+              </a:rPr>
+              <a:t>(Q1, Sigma, delta1, q01, F1) </a:t>
+            </a:r>
+            <a:r>
+              <a:rPr lang="en-US" dirty="0"/>
+              <a:t>and </a:t>
+            </a:r>
+          </a:p>
+          <a:p>
+            <a:r>
+              <a:rPr lang="en-US" dirty="0"/>
+              <a:t>                       D2 = </a:t>
+            </a:r>
+            <a:r>
+              <a:rPr lang="en-US" dirty="0">
+                <a:solidFill>
+                  <a:srgbClr val="945200"/>
+                </a:solidFill>
+              </a:rPr>
+              <a:t>(Q2, Sigma, delta2, q02, F2)</a:t>
+            </a:r>
+          </a:p>
+          <a:p>
+            <a:r>
+              <a:rPr lang="en-US" dirty="0"/>
+              <a:t>Define a new DFA D such that L(D) = L(D1) </a:t>
+            </a:r>
+            <a:r>
+              <a:rPr lang="en-US" dirty="0">
+                <a:solidFill>
+                  <a:srgbClr val="FF0000"/>
+                </a:solidFill>
+              </a:rPr>
+              <a:t>Union</a:t>
+            </a:r>
+            <a:r>
+              <a:rPr lang="en-US" dirty="0"/>
+              <a:t> L(D2) </a:t>
+            </a:r>
+          </a:p>
+          <a:p>
+            <a:r>
+              <a:rPr lang="en-US" dirty="0"/>
+              <a:t>Let D = (Q, Sigma, delta, q0, F)</a:t>
+            </a:r>
+          </a:p>
+          <a:p>
+            <a:r>
+              <a:rPr lang="en-US" dirty="0"/>
+              <a:t>What are these items:</a:t>
+            </a:r>
+          </a:p>
+          <a:p>
+            <a:pPr lvl="1"/>
+            <a:r>
+              <a:rPr lang="en-US" dirty="0">
+                <a:solidFill>
+                  <a:srgbClr val="0432FF"/>
+                </a:solidFill>
+              </a:rPr>
+              <a:t>Q  =  Q1 x Q2</a:t>
+            </a:r>
+          </a:p>
+          <a:p>
+            <a:pPr lvl="1"/>
+            <a:r>
+              <a:rPr lang="en-US" dirty="0">
+                <a:solidFill>
+                  <a:srgbClr val="0432FF"/>
+                </a:solidFill>
+              </a:rPr>
+              <a:t>q0 =  (q01, q02)</a:t>
+            </a:r>
+          </a:p>
+          <a:p>
+            <a:pPr lvl="1"/>
+            <a:r>
+              <a:rPr lang="en-US" dirty="0">
+                <a:solidFill>
+                  <a:srgbClr val="0432FF"/>
+                </a:solidFill>
+              </a:rPr>
+              <a:t>F   =  (F1 x Q2) U (Q1 x F2)</a:t>
+            </a:r>
+          </a:p>
+          <a:p>
+            <a:pPr lvl="1"/>
+            <a:r>
+              <a:rPr lang="en-US" dirty="0"/>
+              <a:t>For x in Sigma, what is </a:t>
+            </a:r>
+            <a:r>
+              <a:rPr lang="en-US" dirty="0">
+                <a:solidFill>
+                  <a:srgbClr val="0432FF"/>
+                </a:solidFill>
+              </a:rPr>
+              <a:t>delta( (q1, q2), x ) = ( delta1(q1, x), delta2(q2,x) )</a:t>
+            </a:r>
+          </a:p>
+          <a:p>
+            <a:endParaRPr lang="en-US" dirty="0"/>
+          </a:p>
+        </p:txBody>
+      </p:sp>
+      <p:sp>
+        <p:nvSpPr>
+          <p:cNvPr id="4" name="TextBox 3">
+            <a:extLst>
+              <a:ext uri="{FF2B5EF4-FFF2-40B4-BE49-F238E27FC236}">
+                <a16:creationId xmlns:a16="http://schemas.microsoft.com/office/drawing/2014/main" id="{8EDFC300-850C-8E4F-8AD8-CA825292DDB1}"/>
+              </a:ext>
+            </a:extLst>
+          </p:cNvPr>
+          <p:cNvSpPr txBox="1"/>
+          <p:nvPr/>
+        </p:nvSpPr>
+        <p:spPr>
+          <a:xfrm>
+            <a:off x="7729728" y="4462272"/>
+            <a:ext cx="1236236" cy="369332"/>
+          </a:xfrm>
+          <a:prstGeom prst="rect">
+            <a:avLst/>
+          </a:prstGeom>
+          <a:noFill/>
+        </p:spPr>
+        <p:txBody>
+          <a:bodyPr wrap="none" rtlCol="0">
+            <a:spAutoFit/>
+          </a:bodyPr>
+          <a:lstStyle/>
+          <a:p>
+            <a:r>
+              <a:rPr lang="en-US" dirty="0">
+                <a:solidFill>
+                  <a:srgbClr val="FF0000"/>
+                </a:solidFill>
+              </a:rPr>
+              <a:t>(confirm!)</a:t>
+            </a:r>
+          </a:p>
+        </p:txBody>
+      </p:sp>
+    </p:spTree>
+    <p:extLst>
+      <p:ext uri="{BB962C8B-B14F-4D97-AF65-F5344CB8AC3E}">
+        <p14:creationId xmlns:p14="http://schemas.microsoft.com/office/powerpoint/2010/main" val="1220409284"/>
+      </p:ext>
+    </p:extLst>
+  </p:cSld>
+  <p:clrMapOvr>
+    <a:masterClrMapping/>
+  </p:clrMapOvr>
+</p:sld>
+</file>
+
+<file path=ppt/slides/slide12.xml><?xml version="1.0" encoding="utf-8"?>
+<p:sld xmlns:a="http://schemas.openxmlformats.org/drawingml/2006/main" xmlns:r="http://schemas.openxmlformats.org/officeDocument/2006/relationships" xmlns:p="http://schemas.openxmlformats.org/presentationml/2006/main">
+  <p:cSld>
+    <p:spTree>
+      <p:nvGrpSpPr>
+        <p:cNvPr id="1" name=""/>
+        <p:cNvGrpSpPr/>
+        <p:nvPr/>
+      </p:nvGrpSpPr>
+      <p:grpSpPr>
+        <a:xfrm>
+          <a:off x="0" y="0"/>
+          <a:ext cx="0" cy="0"/>
+          <a:chOff x="0" y="0"/>
+          <a:chExt cx="0" cy="0"/>
+        </a:xfrm>
+      </p:grpSpPr>
+      <p:sp>
+        <p:nvSpPr>
+          <p:cNvPr id="2" name="Title 1">
+            <a:extLst>
+              <a:ext uri="{FF2B5EF4-FFF2-40B4-BE49-F238E27FC236}">
+                <a16:creationId xmlns:a16="http://schemas.microsoft.com/office/drawing/2014/main" id="{B092AD3A-DA61-E846-9061-53964E1323B4}"/>
+              </a:ext>
+            </a:extLst>
+          </p:cNvPr>
+          <p:cNvSpPr>
+            <a:spLocks noGrp="1"/>
+          </p:cNvSpPr>
+          <p:nvPr>
+            <p:ph type="title"/>
+          </p:nvPr>
+        </p:nvSpPr>
+        <p:spPr/>
+        <p:txBody>
+          <a:bodyPr>
+            <a:normAutofit fontScale="90000"/>
+          </a:bodyPr>
+          <a:lstStyle/>
+          <a:p>
+            <a:r>
+              <a:rPr lang="en-US" dirty="0">
+                <a:solidFill>
+                  <a:srgbClr val="0432FF"/>
+                </a:solidFill>
+              </a:rPr>
+              <a:t>Complement of a DFA</a:t>
+            </a:r>
+          </a:p>
+        </p:txBody>
+      </p:sp>
+      <p:sp>
+        <p:nvSpPr>
+          <p:cNvPr id="3" name="Content Placeholder 2">
+            <a:extLst>
+              <a:ext uri="{FF2B5EF4-FFF2-40B4-BE49-F238E27FC236}">
+                <a16:creationId xmlns:a16="http://schemas.microsoft.com/office/drawing/2014/main" id="{FB10BC50-A0A2-CA42-A400-B39E2437E41F}"/>
+              </a:ext>
+            </a:extLst>
+          </p:cNvPr>
+          <p:cNvSpPr>
+            <a:spLocks noGrp="1"/>
+          </p:cNvSpPr>
+          <p:nvPr>
+            <p:ph idx="1"/>
+          </p:nvPr>
+        </p:nvSpPr>
+        <p:spPr/>
+        <p:txBody>
+          <a:bodyPr>
+            <a:normAutofit/>
+          </a:bodyPr>
+          <a:lstStyle/>
+          <a:p>
+            <a:r>
+              <a:rPr lang="en-US" dirty="0"/>
+              <a:t>Given a DFA D  = </a:t>
+            </a:r>
+            <a:r>
+              <a:rPr lang="en-US" dirty="0">
+                <a:solidFill>
+                  <a:srgbClr val="0432FF"/>
+                </a:solidFill>
+              </a:rPr>
+              <a:t>(Q, Sigma, delta, q0, F) </a:t>
+            </a:r>
+            <a:endParaRPr lang="en-US" dirty="0"/>
+          </a:p>
+          <a:p>
+            <a:endParaRPr lang="en-US" dirty="0"/>
+          </a:p>
+          <a:p>
+            <a:r>
+              <a:rPr lang="en-US" dirty="0"/>
+              <a:t>What is the complement of D ?</a:t>
+            </a:r>
+          </a:p>
+          <a:p>
+            <a:endParaRPr lang="en-US" dirty="0"/>
+          </a:p>
+          <a:p>
+            <a:r>
+              <a:rPr lang="en-US" dirty="0"/>
+              <a:t>What are these items:</a:t>
+            </a:r>
+          </a:p>
+          <a:p>
+            <a:pPr lvl="1"/>
+            <a:r>
+              <a:rPr lang="en-US" dirty="0">
+                <a:solidFill>
+                  <a:srgbClr val="0432FF"/>
+                </a:solidFill>
+              </a:rPr>
+              <a:t>Q  =  </a:t>
+            </a:r>
+          </a:p>
+          <a:p>
+            <a:pPr lvl="1"/>
+            <a:r>
+              <a:rPr lang="en-US" dirty="0">
+                <a:solidFill>
+                  <a:srgbClr val="0432FF"/>
+                </a:solidFill>
+              </a:rPr>
+              <a:t>q0 =  </a:t>
+            </a:r>
+          </a:p>
+          <a:p>
+            <a:pPr lvl="1"/>
+            <a:r>
+              <a:rPr lang="en-US" dirty="0">
+                <a:solidFill>
+                  <a:srgbClr val="0432FF"/>
+                </a:solidFill>
+              </a:rPr>
+              <a:t>F   =   </a:t>
+            </a:r>
+          </a:p>
+          <a:p>
+            <a:pPr lvl="1"/>
+            <a:r>
+              <a:rPr lang="en-US" dirty="0"/>
+              <a:t>For x in Sigma, what is </a:t>
+            </a:r>
+            <a:r>
+              <a:rPr lang="en-US" dirty="0">
+                <a:solidFill>
+                  <a:srgbClr val="0432FF"/>
+                </a:solidFill>
+              </a:rPr>
+              <a:t>delta( q, x ) = ?</a:t>
+            </a:r>
+          </a:p>
+          <a:p>
+            <a:endParaRPr lang="en-US" dirty="0"/>
+          </a:p>
+        </p:txBody>
+      </p:sp>
+      <p:sp>
+        <p:nvSpPr>
+          <p:cNvPr id="4" name="TextBox 3">
+            <a:extLst>
+              <a:ext uri="{FF2B5EF4-FFF2-40B4-BE49-F238E27FC236}">
+                <a16:creationId xmlns:a16="http://schemas.microsoft.com/office/drawing/2014/main" id="{8EDFC300-850C-8E4F-8AD8-CA825292DDB1}"/>
+              </a:ext>
+            </a:extLst>
+          </p:cNvPr>
+          <p:cNvSpPr txBox="1"/>
+          <p:nvPr/>
+        </p:nvSpPr>
+        <p:spPr>
+          <a:xfrm>
+            <a:off x="7729728" y="4462272"/>
+            <a:ext cx="2007281" cy="369332"/>
+          </a:xfrm>
+          <a:prstGeom prst="rect">
+            <a:avLst/>
+          </a:prstGeom>
+          <a:noFill/>
+        </p:spPr>
+        <p:txBody>
+          <a:bodyPr wrap="none" rtlCol="0">
+            <a:spAutoFit/>
+          </a:bodyPr>
+          <a:lstStyle/>
+          <a:p>
+            <a:r>
+              <a:rPr lang="en-US" dirty="0">
+                <a:solidFill>
+                  <a:srgbClr val="FF0000"/>
+                </a:solidFill>
+              </a:rPr>
+              <a:t>(pause / confirm)</a:t>
+            </a:r>
+          </a:p>
+        </p:txBody>
+      </p:sp>
+    </p:spTree>
+    <p:extLst>
+      <p:ext uri="{BB962C8B-B14F-4D97-AF65-F5344CB8AC3E}">
+        <p14:creationId xmlns:p14="http://schemas.microsoft.com/office/powerpoint/2010/main" val="945394423"/>
+      </p:ext>
+    </p:extLst>
+  </p:cSld>
+  <p:clrMapOvr>
+    <a:masterClrMapping/>
+  </p:clrMapOvr>
+</p:sld>
+</file>
+
+<file path=ppt/slides/slide13.xml><?xml version="1.0" encoding="utf-8"?>
+<p:sld xmlns:a="http://schemas.openxmlformats.org/drawingml/2006/main" xmlns:r="http://schemas.openxmlformats.org/officeDocument/2006/relationships" xmlns:p="http://schemas.openxmlformats.org/presentationml/2006/main">
+  <p:cSld>
+    <p:spTree>
+      <p:nvGrpSpPr>
+        <p:cNvPr id="1" name=""/>
+        <p:cNvGrpSpPr/>
+        <p:nvPr/>
+      </p:nvGrpSpPr>
+      <p:grpSpPr>
+        <a:xfrm>
+          <a:off x="0" y="0"/>
+          <a:ext cx="0" cy="0"/>
+          <a:chOff x="0" y="0"/>
+          <a:chExt cx="0" cy="0"/>
+        </a:xfrm>
+      </p:grpSpPr>
+      <p:sp>
+        <p:nvSpPr>
+          <p:cNvPr id="2" name="Title 1">
+            <a:extLst>
+              <a:ext uri="{FF2B5EF4-FFF2-40B4-BE49-F238E27FC236}">
+                <a16:creationId xmlns:a16="http://schemas.microsoft.com/office/drawing/2014/main" id="{7F9C6935-28BD-CA44-8EE5-BD2E3AE2CE0A}"/>
+              </a:ext>
+            </a:extLst>
+          </p:cNvPr>
+          <p:cNvSpPr>
+            <a:spLocks noGrp="1"/>
+          </p:cNvSpPr>
+          <p:nvPr>
+            <p:ph type="title"/>
+          </p:nvPr>
+        </p:nvSpPr>
+        <p:spPr/>
+        <p:txBody>
+          <a:bodyPr>
+            <a:normAutofit fontScale="90000"/>
+          </a:bodyPr>
+          <a:lstStyle/>
+          <a:p>
+            <a:r>
+              <a:rPr lang="en-US" dirty="0"/>
+              <a:t>Uses of DFA ”Boolean Ops” </a:t>
+            </a:r>
+            <a:r>
+              <a:rPr lang="en-US" sz="2700" dirty="0"/>
+              <a:t>(U, intersection, </a:t>
+            </a:r>
+            <a:r>
+              <a:rPr lang="en-US" sz="2700" dirty="0" err="1"/>
+              <a:t>compl</a:t>
+            </a:r>
+            <a:r>
+              <a:rPr lang="en-US" sz="2700" dirty="0"/>
+              <a:t>)</a:t>
+            </a:r>
+          </a:p>
+        </p:txBody>
+      </p:sp>
+      <p:sp>
+        <p:nvSpPr>
+          <p:cNvPr id="3" name="Content Placeholder 2">
+            <a:extLst>
+              <a:ext uri="{FF2B5EF4-FFF2-40B4-BE49-F238E27FC236}">
+                <a16:creationId xmlns:a16="http://schemas.microsoft.com/office/drawing/2014/main" id="{93EE788A-5457-BD49-95D6-17DA18C3A305}"/>
+              </a:ext>
+            </a:extLst>
+          </p:cNvPr>
+          <p:cNvSpPr>
+            <a:spLocks noGrp="1"/>
+          </p:cNvSpPr>
+          <p:nvPr>
+            <p:ph idx="1"/>
+          </p:nvPr>
+        </p:nvSpPr>
+        <p:spPr>
+          <a:xfrm>
+            <a:off x="838200" y="1080948"/>
+            <a:ext cx="10515600" cy="5193551"/>
+          </a:xfrm>
+        </p:spPr>
+        <p:txBody>
+          <a:bodyPr>
+            <a:normAutofit/>
+          </a:bodyPr>
+          <a:lstStyle/>
+          <a:p>
+            <a:r>
+              <a:rPr lang="en-US" dirty="0"/>
+              <a:t>DFA Design for many languages can be simplified</a:t>
+            </a:r>
+          </a:p>
+          <a:p>
+            <a:pPr lvl="1"/>
+            <a:r>
+              <a:rPr lang="en-US" dirty="0"/>
+              <a:t>Example: Define a DFA that accept strings that</a:t>
+            </a:r>
+          </a:p>
+          <a:p>
+            <a:pPr lvl="2"/>
+            <a:r>
+              <a:rPr lang="en-US" dirty="0"/>
+              <a:t> DON’T’s begin with 010 AND DON’T’s end with 101</a:t>
+            </a:r>
+          </a:p>
+          <a:p>
+            <a:endParaRPr lang="en-US" dirty="0"/>
+          </a:p>
+          <a:p>
+            <a:r>
+              <a:rPr lang="en-US" dirty="0"/>
+              <a:t>Can use </a:t>
+            </a:r>
+            <a:r>
+              <a:rPr lang="en-US" dirty="0" err="1"/>
+              <a:t>Demorgan’s</a:t>
+            </a:r>
+            <a:r>
+              <a:rPr lang="en-US" dirty="0"/>
+              <a:t> laws</a:t>
+            </a:r>
+          </a:p>
+          <a:p>
+            <a:pPr lvl="1"/>
+            <a:r>
+              <a:rPr lang="en-US" dirty="0"/>
+              <a:t>Design for Begins with 010</a:t>
+            </a:r>
+          </a:p>
+          <a:p>
+            <a:pPr lvl="1"/>
+            <a:r>
+              <a:rPr lang="en-US" dirty="0"/>
+              <a:t>Design for End with 101</a:t>
+            </a:r>
+          </a:p>
+          <a:p>
+            <a:pPr lvl="1"/>
+            <a:r>
+              <a:rPr lang="en-US" dirty="0"/>
+              <a:t>OR them</a:t>
+            </a:r>
+          </a:p>
+          <a:p>
+            <a:pPr lvl="1"/>
+            <a:r>
+              <a:rPr lang="en-US" dirty="0"/>
+              <a:t>Complement them</a:t>
+            </a:r>
+          </a:p>
+          <a:p>
+            <a:pPr lvl="1"/>
+            <a:endParaRPr lang="en-US" dirty="0"/>
+          </a:p>
+          <a:p>
+            <a:r>
+              <a:rPr lang="en-US" dirty="0"/>
+              <a:t>Compare with a direct design of the given problem!</a:t>
+            </a:r>
+          </a:p>
+          <a:p>
+            <a:pPr lvl="1"/>
+            <a:r>
+              <a:rPr lang="en-US" dirty="0"/>
+              <a:t>This will be worked out in class interactively, by hand and by Jove</a:t>
+            </a:r>
+          </a:p>
+        </p:txBody>
+      </p:sp>
+    </p:spTree>
+    <p:extLst>
+      <p:ext uri="{BB962C8B-B14F-4D97-AF65-F5344CB8AC3E}">
+        <p14:creationId xmlns:p14="http://schemas.microsoft.com/office/powerpoint/2010/main" val="939952039"/>
+      </p:ext>
+    </p:extLst>
+  </p:cSld>
+  <p:clrMapOvr>
+    <a:masterClrMapping/>
+  </p:clrMapOvr>
+</p:sld>
+</file>
+
+<file path=ppt/slides/slide14.xml><?xml version="1.0" encoding="utf-8"?>
+<p:sld xmlns:a="http://schemas.openxmlformats.org/drawingml/2006/main" xmlns:r="http://schemas.openxmlformats.org/officeDocument/2006/relationships" xmlns:p="http://schemas.openxmlformats.org/presentationml/2006/main">
+  <p:cSld>
+    <p:spTree>
+      <p:nvGrpSpPr>
+        <p:cNvPr id="1" name=""/>
+        <p:cNvGrpSpPr/>
+        <p:nvPr/>
+      </p:nvGrpSpPr>
+      <p:grpSpPr>
+        <a:xfrm>
+          <a:off x="0" y="0"/>
+          <a:ext cx="0" cy="0"/>
+          <a:chOff x="0" y="0"/>
+          <a:chExt cx="0" cy="0"/>
+        </a:xfrm>
+      </p:grpSpPr>
+      <p:sp>
+        <p:nvSpPr>
+          <p:cNvPr id="2" name="Title 1">
+            <a:extLst>
+              <a:ext uri="{FF2B5EF4-FFF2-40B4-BE49-F238E27FC236}">
+                <a16:creationId xmlns:a16="http://schemas.microsoft.com/office/drawing/2014/main" id="{9BEE3437-6265-4F4C-A5AE-4672BF78767F}"/>
+              </a:ext>
+            </a:extLst>
+          </p:cNvPr>
+          <p:cNvSpPr>
+            <a:spLocks noGrp="1"/>
+          </p:cNvSpPr>
+          <p:nvPr>
+            <p:ph type="title"/>
+          </p:nvPr>
+        </p:nvSpPr>
+        <p:spPr/>
+        <p:txBody>
+          <a:bodyPr>
+            <a:normAutofit fontScale="90000"/>
+          </a:bodyPr>
+          <a:lstStyle/>
+          <a:p>
+            <a:r>
+              <a:rPr lang="en-US" dirty="0"/>
+              <a:t>Checking one’s work</a:t>
+            </a:r>
+          </a:p>
+        </p:txBody>
+      </p:sp>
+      <p:sp>
+        <p:nvSpPr>
+          <p:cNvPr id="3" name="Content Placeholder 2">
+            <a:extLst>
+              <a:ext uri="{FF2B5EF4-FFF2-40B4-BE49-F238E27FC236}">
+                <a16:creationId xmlns:a16="http://schemas.microsoft.com/office/drawing/2014/main" id="{7F9D8B3A-2472-4B4C-9437-99BF94DE07BB}"/>
+              </a:ext>
+            </a:extLst>
+          </p:cNvPr>
+          <p:cNvSpPr>
+            <a:spLocks noGrp="1"/>
+          </p:cNvSpPr>
+          <p:nvPr>
+            <p:ph idx="1"/>
+          </p:nvPr>
+        </p:nvSpPr>
+        <p:spPr/>
+        <p:txBody>
+          <a:bodyPr/>
+          <a:lstStyle/>
+          <a:p>
+            <a:r>
+              <a:rPr lang="en-US" dirty="0"/>
+              <a:t>Since DFA designs are “tricky”, it is good to try and design it using two different approaches</a:t>
+            </a:r>
+          </a:p>
+          <a:p>
+            <a:endParaRPr lang="en-US" dirty="0"/>
+          </a:p>
+          <a:p>
+            <a:r>
+              <a:rPr lang="en-US" dirty="0"/>
+              <a:t>Then one can check one’s work thanks to one property:</a:t>
+            </a:r>
+          </a:p>
+          <a:p>
+            <a:endParaRPr lang="en-US" dirty="0"/>
+          </a:p>
+          <a:p>
+            <a:pPr marL="457200" lvl="1" indent="0">
+              <a:buNone/>
+            </a:pPr>
+            <a:r>
+              <a:rPr lang="en-US" dirty="0">
+                <a:solidFill>
+                  <a:srgbClr val="FF0000"/>
+                </a:solidFill>
+              </a:rPr>
+              <a:t>“ If DFA D1 and D2 have the same language, then min(D1) and min(D2) </a:t>
+            </a:r>
+          </a:p>
+          <a:p>
+            <a:pPr marL="457200" lvl="1" indent="0">
+              <a:buNone/>
+            </a:pPr>
+            <a:r>
+              <a:rPr lang="en-US" dirty="0">
+                <a:solidFill>
+                  <a:srgbClr val="FF0000"/>
+                </a:solidFill>
+              </a:rPr>
+              <a:t>   are isomorphic”</a:t>
+            </a:r>
+          </a:p>
+          <a:p>
+            <a:pPr marL="457200" lvl="1" indent="0">
+              <a:buNone/>
+            </a:pPr>
+            <a:endParaRPr lang="en-US" dirty="0"/>
+          </a:p>
+          <a:p>
+            <a:pPr marL="457200" lvl="1" indent="0">
+              <a:buNone/>
+            </a:pPr>
+            <a:r>
+              <a:rPr lang="en-US" dirty="0"/>
+              <a:t>This is the </a:t>
+            </a:r>
+            <a:r>
+              <a:rPr lang="en-US" dirty="0" err="1"/>
+              <a:t>Myhill-Nerode</a:t>
+            </a:r>
+            <a:r>
+              <a:rPr lang="en-US" dirty="0"/>
+              <a:t> Theorem</a:t>
+            </a:r>
+          </a:p>
+        </p:txBody>
+      </p:sp>
+    </p:spTree>
+    <p:extLst>
+      <p:ext uri="{BB962C8B-B14F-4D97-AF65-F5344CB8AC3E}">
+        <p14:creationId xmlns:p14="http://schemas.microsoft.com/office/powerpoint/2010/main" val="4245241078"/>
+      </p:ext>
+    </p:extLst>
+  </p:cSld>
+  <p:clrMapOvr>
+    <a:masterClrMapping/>
+  </p:clrMapOvr>
+</p:sld>
+</file>
+
+<file path=ppt/slides/slide15.xml><?xml version="1.0" encoding="utf-8"?>
+<p:sld xmlns:a="http://schemas.openxmlformats.org/drawingml/2006/main" xmlns:r="http://schemas.openxmlformats.org/officeDocument/2006/relationships" xmlns:p="http://schemas.openxmlformats.org/presentationml/2006/main">
+  <p:cSld>
+    <p:spTree>
+      <p:nvGrpSpPr>
+        <p:cNvPr id="1" name=""/>
+        <p:cNvGrpSpPr/>
+        <p:nvPr/>
+      </p:nvGrpSpPr>
+      <p:grpSpPr>
+        <a:xfrm>
+          <a:off x="0" y="0"/>
+          <a:ext cx="0" cy="0"/>
+          <a:chOff x="0" y="0"/>
+          <a:chExt cx="0" cy="0"/>
+        </a:xfrm>
+      </p:grpSpPr>
+      <p:sp>
+        <p:nvSpPr>
+          <p:cNvPr id="2" name="Title 1"/>
+          <p:cNvSpPr>
+            <a:spLocks noGrp="1"/>
+          </p:cNvSpPr>
+          <p:nvPr>
+            <p:ph type="title"/>
+          </p:nvPr>
+        </p:nvSpPr>
+        <p:spPr>
+          <a:xfrm>
+            <a:off x="838200" y="112694"/>
+            <a:ext cx="10515600" cy="618286"/>
+          </a:xfrm>
+        </p:spPr>
+        <p:txBody>
+          <a:bodyPr>
+            <a:normAutofit fontScale="90000"/>
+          </a:bodyPr>
+          <a:lstStyle/>
+          <a:p>
+            <a:r>
+              <a:rPr lang="en-US" dirty="0"/>
+              <a:t>Review: Graph Isomorphism</a:t>
+            </a:r>
+          </a:p>
+        </p:txBody>
+      </p:sp>
+      <p:sp>
+        <p:nvSpPr>
+          <p:cNvPr id="6" name="Content Placeholder 2">
+            <a:extLst>
+              <a:ext uri="{FF2B5EF4-FFF2-40B4-BE49-F238E27FC236}">
+                <a16:creationId xmlns:a16="http://schemas.microsoft.com/office/drawing/2014/main" id="{1E7E7918-53E6-0A47-8B21-0094EB22A010}"/>
+              </a:ext>
+            </a:extLst>
+          </p:cNvPr>
+          <p:cNvSpPr>
+            <a:spLocks noGrp="1"/>
+          </p:cNvSpPr>
+          <p:nvPr>
+            <p:ph idx="1"/>
+          </p:nvPr>
+        </p:nvSpPr>
+        <p:spPr>
+          <a:xfrm>
+            <a:off x="838200" y="1080949"/>
+            <a:ext cx="10515600" cy="2466924"/>
+          </a:xfrm>
+        </p:spPr>
+        <p:txBody>
+          <a:bodyPr>
+            <a:normAutofit fontScale="85000" lnSpcReduction="20000"/>
+          </a:bodyPr>
+          <a:lstStyle/>
+          <a:p>
+            <a:r>
+              <a:rPr lang="en-US" dirty="0"/>
+              <a:t>Two graphs G1 and G2 are isomorphic if </a:t>
+            </a:r>
+          </a:p>
+          <a:p>
+            <a:pPr lvl="1"/>
+            <a:r>
+              <a:rPr lang="en-US" dirty="0"/>
+              <a:t>(Informal) If one can print G1 and G2, place them one on top of the other and match up states and transitions</a:t>
+            </a:r>
+          </a:p>
+          <a:p>
+            <a:pPr lvl="2"/>
+            <a:r>
+              <a:rPr lang="en-US" dirty="0"/>
+              <a:t>may have to ”pull” one graph and reshape it…</a:t>
+            </a:r>
+          </a:p>
+          <a:p>
+            <a:pPr lvl="2"/>
+            <a:endParaRPr lang="en-US" dirty="0"/>
+          </a:p>
+          <a:p>
+            <a:pPr lvl="1"/>
+            <a:r>
+              <a:rPr lang="en-US" dirty="0"/>
+              <a:t>(Formal) If there is a 1-1 and onto function that maps states to states and transitions to transitions</a:t>
+            </a:r>
+          </a:p>
+          <a:p>
+            <a:pPr lvl="1"/>
+            <a:endParaRPr lang="en-US" dirty="0"/>
+          </a:p>
+          <a:p>
+            <a:pPr lvl="1"/>
+            <a:r>
+              <a:rPr lang="en-US" dirty="0"/>
+              <a:t>(Example from Wikipedia)</a:t>
+            </a:r>
+          </a:p>
+        </p:txBody>
+      </p:sp>
+      <p:pic>
+        <p:nvPicPr>
+          <p:cNvPr id="7" name="Picture 6" descr="A picture containing ball, room&#10;&#10;Description automatically generated">
+            <a:extLst>
+              <a:ext uri="{FF2B5EF4-FFF2-40B4-BE49-F238E27FC236}">
+                <a16:creationId xmlns:a16="http://schemas.microsoft.com/office/drawing/2014/main" id="{28FC2791-2EF9-E040-BCC7-1BDDEB538BC8}"/>
+              </a:ext>
+            </a:extLst>
+          </p:cNvPr>
+          <p:cNvPicPr>
+            <a:picLocks noChangeAspect="1"/>
+          </p:cNvPicPr>
+          <p:nvPr/>
+        </p:nvPicPr>
+        <p:blipFill>
+          <a:blip r:embed="rId2"/>
+          <a:stretch>
+            <a:fillRect/>
+          </a:stretch>
+        </p:blipFill>
+        <p:spPr>
+          <a:xfrm>
+            <a:off x="5843735" y="2967486"/>
+            <a:ext cx="1470411" cy="3127075"/>
+          </a:xfrm>
+          <a:prstGeom prst="rect">
+            <a:avLst/>
+          </a:prstGeom>
+        </p:spPr>
+      </p:pic>
+      <p:pic>
+        <p:nvPicPr>
+          <p:cNvPr id="9" name="Picture 8" descr="A picture containing ball, room, table&#10;&#10;Description automatically generated">
+            <a:extLst>
+              <a:ext uri="{FF2B5EF4-FFF2-40B4-BE49-F238E27FC236}">
+                <a16:creationId xmlns:a16="http://schemas.microsoft.com/office/drawing/2014/main" id="{04F04D82-E0FC-E449-BB05-9CFD57B4A10B}"/>
+              </a:ext>
+            </a:extLst>
+          </p:cNvPr>
+          <p:cNvPicPr>
+            <a:picLocks noChangeAspect="1"/>
+          </p:cNvPicPr>
+          <p:nvPr/>
+        </p:nvPicPr>
+        <p:blipFill>
+          <a:blip r:embed="rId3"/>
+          <a:stretch>
+            <a:fillRect/>
+          </a:stretch>
+        </p:blipFill>
+        <p:spPr>
+          <a:xfrm>
+            <a:off x="8361872" y="2967486"/>
+            <a:ext cx="3416060" cy="3416060"/>
+          </a:xfrm>
+          <a:prstGeom prst="rect">
+            <a:avLst/>
+          </a:prstGeom>
+        </p:spPr>
+      </p:pic>
+    </p:spTree>
+    <p:extLst>
+      <p:ext uri="{BB962C8B-B14F-4D97-AF65-F5344CB8AC3E}">
+        <p14:creationId xmlns:p14="http://schemas.microsoft.com/office/powerpoint/2010/main" val="821671952"/>
+      </p:ext>
+    </p:extLst>
+  </p:cSld>
+  <p:clrMapOvr>
+    <a:masterClrMapping/>
+  </p:clrMapOvr>
+</p:sld>
+</file>
+
+<file path=ppt/slides/slide16.xml><?xml version="1.0" encoding="utf-8"?>
+<p:sld xmlns:a="http://schemas.openxmlformats.org/drawingml/2006/main" xmlns:r="http://schemas.openxmlformats.org/officeDocument/2006/relationships" xmlns:p="http://schemas.openxmlformats.org/presentationml/2006/main">
+  <p:cSld>
+    <p:spTree>
+      <p:nvGrpSpPr>
+        <p:cNvPr id="1" name=""/>
+        <p:cNvGrpSpPr/>
+        <p:nvPr/>
+      </p:nvGrpSpPr>
+      <p:grpSpPr>
+        <a:xfrm>
+          <a:off x="0" y="0"/>
+          <a:ext cx="0" cy="0"/>
+          <a:chOff x="0" y="0"/>
+          <a:chExt cx="0" cy="0"/>
+        </a:xfrm>
+      </p:grpSpPr>
+      <p:sp>
+        <p:nvSpPr>
           <p:cNvPr id="2" name="Title 1"/>
           <p:cNvSpPr>
             <a:spLocks noGrp="1"/>
@@ -4128,7 +5347,7 @@
 </p:sld>
 </file>
 
-<file path=ppt/slides/slide11.xml><?xml version="1.0" encoding="utf-8"?>
+<file path=ppt/slides/slide17.xml><?xml version="1.0" encoding="utf-8"?>
 <p:sld xmlns:a="http://schemas.openxmlformats.org/drawingml/2006/main" xmlns:r="http://schemas.openxmlformats.org/officeDocument/2006/relationships" xmlns:p="http://schemas.openxmlformats.org/presentationml/2006/main">
   <p:cSld>
     <p:spTree>
@@ -4375,7 +5594,7 @@
 </p:sld>
 </file>
 
-<file path=ppt/slides/slide12.xml><?xml version="1.0" encoding="utf-8"?>
+<file path=ppt/slides/slide18.xml><?xml version="1.0" encoding="utf-8"?>
 <p:sld xmlns:a="http://schemas.openxmlformats.org/drawingml/2006/main" xmlns:r="http://schemas.openxmlformats.org/officeDocument/2006/relationships" xmlns:p="http://schemas.openxmlformats.org/presentationml/2006/main">
   <p:cSld>
     <p:spTree>
@@ -4511,7 +5730,7 @@
 </p:sld>
 </file>
 
-<file path=ppt/slides/slide13.xml><?xml version="1.0" encoding="utf-8"?>
+<file path=ppt/slides/slide19.xml><?xml version="1.0" encoding="utf-8"?>
 <p:sld xmlns:a="http://schemas.openxmlformats.org/drawingml/2006/main" xmlns:r="http://schemas.openxmlformats.org/officeDocument/2006/relationships" xmlns:p="http://schemas.openxmlformats.org/presentationml/2006/main">
   <p:cSld>
     <p:spTree>
@@ -4729,7 +5948,199 @@
 </p:sld>
 </file>
 
-<file path=ppt/slides/slide14.xml><?xml version="1.0" encoding="utf-8"?>
+<file path=ppt/slides/slide2.xml><?xml version="1.0" encoding="utf-8"?>
+<p:sld xmlns:a="http://schemas.openxmlformats.org/drawingml/2006/main" xmlns:r="http://schemas.openxmlformats.org/officeDocument/2006/relationships" xmlns:p="http://schemas.openxmlformats.org/presentationml/2006/main">
+  <p:cSld>
+    <p:spTree>
+      <p:nvGrpSpPr>
+        <p:cNvPr id="1" name=""/>
+        <p:cNvGrpSpPr/>
+        <p:nvPr/>
+      </p:nvGrpSpPr>
+      <p:grpSpPr>
+        <a:xfrm>
+          <a:off x="0" y="0"/>
+          <a:ext cx="0" cy="0"/>
+          <a:chOff x="0" y="0"/>
+          <a:chExt cx="0" cy="0"/>
+        </a:xfrm>
+      </p:grpSpPr>
+      <p:sp>
+        <p:nvSpPr>
+          <p:cNvPr id="2" name="Title 1">
+            <a:extLst>
+              <a:ext uri="{FF2B5EF4-FFF2-40B4-BE49-F238E27FC236}">
+                <a16:creationId xmlns:a16="http://schemas.microsoft.com/office/drawing/2014/main" id="{E6F8447E-F138-E949-BFAB-A526097C7432}"/>
+              </a:ext>
+            </a:extLst>
+          </p:cNvPr>
+          <p:cNvSpPr>
+            <a:spLocks noGrp="1"/>
+          </p:cNvSpPr>
+          <p:nvPr>
+            <p:ph type="title"/>
+          </p:nvPr>
+        </p:nvSpPr>
+        <p:spPr/>
+        <p:txBody>
+          <a:bodyPr>
+            <a:normAutofit fontScale="90000"/>
+          </a:bodyPr>
+          <a:lstStyle/>
+          <a:p>
+            <a:r>
+              <a:rPr lang="en-US" dirty="0"/>
+              <a:t>This course is tightly integrated with Jove</a:t>
+            </a:r>
+          </a:p>
+        </p:txBody>
+      </p:sp>
+      <p:sp>
+        <p:nvSpPr>
+          <p:cNvPr id="3" name="Content Placeholder 2">
+            <a:extLst>
+              <a:ext uri="{FF2B5EF4-FFF2-40B4-BE49-F238E27FC236}">
+                <a16:creationId xmlns:a16="http://schemas.microsoft.com/office/drawing/2014/main" id="{030DEE7F-F911-E342-9FD8-74B74E876BD8}"/>
+              </a:ext>
+            </a:extLst>
+          </p:cNvPr>
+          <p:cNvSpPr>
+            <a:spLocks noGrp="1"/>
+          </p:cNvSpPr>
+          <p:nvPr>
+            <p:ph idx="1"/>
+          </p:nvPr>
+        </p:nvSpPr>
+        <p:spPr>
+          <a:xfrm>
+            <a:off x="838200" y="1132114"/>
+            <a:ext cx="10515600" cy="5573486"/>
+          </a:xfrm>
+        </p:spPr>
+        <p:txBody>
+          <a:bodyPr>
+            <a:normAutofit/>
+          </a:bodyPr>
+          <a:lstStyle/>
+          <a:p>
+            <a:r>
+              <a:rPr lang="en-US" dirty="0"/>
+              <a:t>Jove provides us the “practice” or “work-book”</a:t>
+            </a:r>
+          </a:p>
+          <a:p>
+            <a:r>
+              <a:rPr lang="en-US" dirty="0"/>
+              <a:t>Hence all updates will be in the </a:t>
+            </a:r>
+            <a:r>
+              <a:rPr lang="en-US" dirty="0" err="1"/>
+              <a:t>Github</a:t>
+            </a:r>
+            <a:r>
+              <a:rPr lang="en-US" dirty="0"/>
+              <a:t> that serves you Jove</a:t>
+            </a:r>
+          </a:p>
+          <a:p>
+            <a:r>
+              <a:rPr lang="en-US" b="1" dirty="0">
+                <a:solidFill>
+                  <a:srgbClr val="FF0000"/>
+                </a:solidFill>
+              </a:rPr>
+              <a:t>So please note – WHEN IS MIDTERM-1 NOW?</a:t>
+            </a:r>
+          </a:p>
+          <a:p>
+            <a:pPr lvl="1"/>
+            <a:r>
+              <a:rPr lang="en-US" b="1" dirty="0">
+                <a:solidFill>
+                  <a:srgbClr val="0432FF"/>
+                </a:solidFill>
+              </a:rPr>
+              <a:t>Go to the Jove landing page (in the syllabus)</a:t>
+            </a:r>
+          </a:p>
+          <a:p>
+            <a:pPr lvl="1"/>
+            <a:r>
+              <a:rPr lang="en-US" b="1" dirty="0" err="1">
+                <a:solidFill>
+                  <a:srgbClr val="FF0000"/>
+                </a:solidFill>
+              </a:rPr>
+              <a:t>bit.ly</a:t>
+            </a:r>
+            <a:r>
+              <a:rPr lang="en-US" b="1" dirty="0">
+                <a:solidFill>
+                  <a:srgbClr val="FF0000"/>
+                </a:solidFill>
+              </a:rPr>
+              <a:t>/cs3100fall2020</a:t>
+            </a:r>
+          </a:p>
+          <a:p>
+            <a:pPr lvl="1"/>
+            <a:r>
+              <a:rPr lang="en-US" b="1" dirty="0">
+                <a:solidFill>
+                  <a:srgbClr val="0432FF"/>
+                </a:solidFill>
+              </a:rPr>
+              <a:t>You’ll see it there!</a:t>
+            </a:r>
+          </a:p>
+          <a:p>
+            <a:pPr lvl="1"/>
+            <a:endParaRPr lang="en-US" b="1" dirty="0">
+              <a:solidFill>
+                <a:srgbClr val="0432FF"/>
+              </a:solidFill>
+            </a:endParaRPr>
+          </a:p>
+          <a:p>
+            <a:r>
+              <a:rPr lang="en-US" b="1" dirty="0">
+                <a:solidFill>
+                  <a:srgbClr val="0432FF"/>
+                </a:solidFill>
+              </a:rPr>
+              <a:t>Keep looking at this page (as required in the syllabus)</a:t>
+            </a:r>
+          </a:p>
+          <a:p>
+            <a:pPr lvl="1"/>
+            <a:r>
+              <a:rPr lang="en-US" b="1" dirty="0">
+                <a:solidFill>
+                  <a:srgbClr val="0432FF"/>
+                </a:solidFill>
+              </a:rPr>
+              <a:t>All updates and study plans and readings are there too</a:t>
+            </a:r>
+          </a:p>
+          <a:p>
+            <a:endParaRPr lang="en-US" dirty="0"/>
+          </a:p>
+        </p:txBody>
+      </p:sp>
+    </p:spTree>
+    <p:extLst>
+      <p:ext uri="{BB962C8B-B14F-4D97-AF65-F5344CB8AC3E}">
+        <p14:creationId xmlns:p14="http://schemas.microsoft.com/office/powerpoint/2010/main" val="4207875001"/>
+      </p:ext>
+    </p:extLst>
+  </p:cSld>
+  <p:clrMapOvr>
+    <a:masterClrMapping/>
+  </p:clrMapOvr>
+</p:sld>
+</file>
+
+<file path=ppt/slides/slide20.xml><?xml version="1.0" encoding="utf-8"?>
 <p:sld xmlns:a="http://schemas.openxmlformats.org/drawingml/2006/main" xmlns:r="http://schemas.openxmlformats.org/officeDocument/2006/relationships" xmlns:p="http://schemas.openxmlformats.org/presentationml/2006/main">
   <p:cSld>
     <p:spTree>
@@ -4959,7 +6370,7 @@
 </p:sld>
 </file>
 
-<file path=ppt/slides/slide15.xml><?xml version="1.0" encoding="utf-8"?>
+<file path=ppt/slides/slide21.xml><?xml version="1.0" encoding="utf-8"?>
 <p:sld xmlns:a="http://schemas.openxmlformats.org/drawingml/2006/main" xmlns:r="http://schemas.openxmlformats.org/officeDocument/2006/relationships" xmlns:p="http://schemas.openxmlformats.org/presentationml/2006/main">
   <p:cSld>
     <p:spTree>
@@ -5082,7 +6493,7 @@
 </p:sld>
 </file>
 
-<file path=ppt/slides/slide16.xml><?xml version="1.0" encoding="utf-8"?>
+<file path=ppt/slides/slide22.xml><?xml version="1.0" encoding="utf-8"?>
 <p:sld xmlns:a="http://schemas.openxmlformats.org/drawingml/2006/main" xmlns:r="http://schemas.openxmlformats.org/officeDocument/2006/relationships" xmlns:p="http://schemas.openxmlformats.org/presentationml/2006/main">
   <p:cSld>
     <p:spTree>
@@ -5231,7 +6642,7 @@
 </p:sld>
 </file>
 
-<file path=ppt/slides/slide17.xml><?xml version="1.0" encoding="utf-8"?>
+<file path=ppt/slides/slide23.xml><?xml version="1.0" encoding="utf-8"?>
 <p:sld xmlns:a="http://schemas.openxmlformats.org/drawingml/2006/main" xmlns:r="http://schemas.openxmlformats.org/officeDocument/2006/relationships" xmlns:p="http://schemas.openxmlformats.org/presentationml/2006/main">
   <p:cSld>
     <p:spTree>
@@ -5340,7 +6751,7 @@
 </p:sld>
 </file>
 
-<file path=ppt/slides/slide18.xml><?xml version="1.0" encoding="utf-8"?>
+<file path=ppt/slides/slide24.xml><?xml version="1.0" encoding="utf-8"?>
 <p:sld xmlns:a="http://schemas.openxmlformats.org/drawingml/2006/main" xmlns:r="http://schemas.openxmlformats.org/officeDocument/2006/relationships" xmlns:p="http://schemas.openxmlformats.org/presentationml/2006/main">
   <p:cSld>
     <p:spTree>
@@ -5469,7 +6880,7 @@
 </p:sld>
 </file>
 
-<file path=ppt/slides/slide19.xml><?xml version="1.0" encoding="utf-8"?>
+<file path=ppt/slides/slide25.xml><?xml version="1.0" encoding="utf-8"?>
 <p:sld xmlns:a="http://schemas.openxmlformats.org/drawingml/2006/main" xmlns:r="http://schemas.openxmlformats.org/officeDocument/2006/relationships" xmlns:p="http://schemas.openxmlformats.org/presentationml/2006/main">
   <p:cSld>
     <p:spTree>
@@ -5614,7 +7025,7 @@
 </p:sld>
 </file>
 
-<file path=ppt/slides/slide2.xml><?xml version="1.0" encoding="utf-8"?>
+<file path=ppt/slides/slide26.xml><?xml version="1.0" encoding="utf-8"?>
 <p:sld xmlns:a="http://schemas.openxmlformats.org/drawingml/2006/main" xmlns:r="http://schemas.openxmlformats.org/officeDocument/2006/relationships" xmlns:p="http://schemas.openxmlformats.org/presentationml/2006/main">
   <p:cSld>
     <p:spTree>
@@ -5636,7 +7047,7 @@
           <p:cNvPr id="2" name="Title 1">
             <a:extLst>
               <a:ext uri="{FF2B5EF4-FFF2-40B4-BE49-F238E27FC236}">
-                <a16:creationId xmlns:a16="http://schemas.microsoft.com/office/drawing/2014/main" id="{E6F8447E-F138-E949-BFAB-A526097C7432}"/>
+                <a16:creationId xmlns:a16="http://schemas.microsoft.com/office/drawing/2014/main" id="{EE670DA1-9FA8-C241-95B4-08B6B60BEA06}"/>
               </a:ext>
             </a:extLst>
           </p:cNvPr>
@@ -5656,7 +7067,7 @@
           <a:p>
             <a:r>
               <a:rPr lang="en-US" dirty="0"/>
-              <a:t>Overview of Lec-5</a:t>
+              <a:t>NFA sizes versus DFA sizes</a:t>
             </a:r>
           </a:p>
         </p:txBody>
@@ -5666,7 +7077,7 @@
           <p:cNvPr id="3" name="Content Placeholder 2">
             <a:extLst>
               <a:ext uri="{FF2B5EF4-FFF2-40B4-BE49-F238E27FC236}">
-                <a16:creationId xmlns:a16="http://schemas.microsoft.com/office/drawing/2014/main" id="{030DEE7F-F911-E342-9FD8-74B74E876BD8}"/>
+                <a16:creationId xmlns:a16="http://schemas.microsoft.com/office/drawing/2014/main" id="{DAF24281-11BA-C244-BECF-71DAAE16CF8A}"/>
               </a:ext>
             </a:extLst>
           </p:cNvPr>
@@ -5681,46 +7092,6 @@
         <p:txBody>
           <a:bodyPr/>
           <a:lstStyle/>
-          <a:p>
-            <a:r>
-              <a:rPr lang="en-US" dirty="0"/>
-              <a:t>Finish up DFA operations (from Lec-4)</a:t>
-            </a:r>
-          </a:p>
-          <a:p>
-            <a:pPr lvl="1"/>
-            <a:r>
-              <a:rPr lang="en-US" dirty="0"/>
-              <a:t>Union and Complement</a:t>
-            </a:r>
-          </a:p>
-          <a:p>
-            <a:pPr lvl="1"/>
-            <a:r>
-              <a:rPr lang="en-US" dirty="0"/>
-              <a:t>Value of having Intersection, Union, Complement</a:t>
-            </a:r>
-          </a:p>
-          <a:p>
-            <a:r>
-              <a:rPr lang="en-US" dirty="0"/>
-              <a:t>Very brief of Isomorphism and Language Equivalence</a:t>
-            </a:r>
-          </a:p>
-          <a:p>
-            <a:pPr lvl="1"/>
-            <a:r>
-              <a:rPr lang="en-US" dirty="0"/>
-              <a:t>You’ll be using these facilities in Asg-2</a:t>
-            </a:r>
-          </a:p>
-          <a:p>
-            <a:pPr lvl="1"/>
-            <a:r>
-              <a:rPr lang="en-US" dirty="0"/>
-              <a:t>Details of the minimization algorithm coming later</a:t>
-            </a:r>
-          </a:p>
           <a:p>
             <a:r>
               <a:rPr lang="en-US" dirty="0">
@@ -5728,7 +7099,40 @@
                   <a:srgbClr val="FF0000"/>
                 </a:solidFill>
               </a:rPr>
-              <a:t>Today’s main topic - NFA</a:t>
+              <a:t>NFA</a:t>
+            </a:r>
+            <a:r>
+              <a:rPr lang="en-US" dirty="0"/>
+              <a:t> for “Second bit is 1” versus “Second-last is 1”</a:t>
+            </a:r>
+          </a:p>
+          <a:p>
+            <a:endParaRPr lang="en-US" dirty="0"/>
+          </a:p>
+          <a:p>
+            <a:r>
+              <a:rPr lang="en-US" dirty="0">
+                <a:solidFill>
+                  <a:srgbClr val="0432FF"/>
+                </a:solidFill>
+              </a:rPr>
+              <a:t>DFA</a:t>
+            </a:r>
+            <a:r>
+              <a:rPr lang="en-US" dirty="0"/>
+              <a:t> for “Second bit is 1” versus “Second-last is 1”</a:t>
+            </a:r>
+          </a:p>
+          <a:p>
+            <a:endParaRPr lang="en-US" dirty="0"/>
+          </a:p>
+          <a:p>
+            <a:pPr marL="457200" lvl="1" indent="0">
+              <a:buNone/>
+            </a:pPr>
+            <a:r>
+              <a:rPr lang="en-US" dirty="0"/>
+              <a:t>Which do you think is larger and why (intuition)?</a:t>
             </a:r>
           </a:p>
         </p:txBody>
@@ -5736,7 +7140,7 @@
     </p:spTree>
     <p:extLst>
       <p:ext uri="{BB962C8B-B14F-4D97-AF65-F5344CB8AC3E}">
-        <p14:creationId xmlns:p14="http://schemas.microsoft.com/office/powerpoint/2010/main" val="1810987669"/>
+        <p14:creationId xmlns:p14="http://schemas.microsoft.com/office/powerpoint/2010/main" val="3826979404"/>
       </p:ext>
     </p:extLst>
   </p:cSld>
@@ -5746,7 +7150,7 @@
 </p:sld>
 </file>
 
-<file path=ppt/slides/slide20.xml><?xml version="1.0" encoding="utf-8"?>
+<file path=ppt/slides/slide27.xml><?xml version="1.0" encoding="utf-8"?>
 <p:sld xmlns:a="http://schemas.openxmlformats.org/drawingml/2006/main" xmlns:r="http://schemas.openxmlformats.org/officeDocument/2006/relationships" xmlns:p="http://schemas.openxmlformats.org/presentationml/2006/main">
   <p:cSld>
     <p:spTree>
@@ -5768,131 +7172,6 @@
           <p:cNvPr id="2" name="Title 1">
             <a:extLst>
               <a:ext uri="{FF2B5EF4-FFF2-40B4-BE49-F238E27FC236}">
-                <a16:creationId xmlns:a16="http://schemas.microsoft.com/office/drawing/2014/main" id="{EE670DA1-9FA8-C241-95B4-08B6B60BEA06}"/>
-              </a:ext>
-            </a:extLst>
-          </p:cNvPr>
-          <p:cNvSpPr>
-            <a:spLocks noGrp="1"/>
-          </p:cNvSpPr>
-          <p:nvPr>
-            <p:ph type="title"/>
-          </p:nvPr>
-        </p:nvSpPr>
-        <p:spPr/>
-        <p:txBody>
-          <a:bodyPr>
-            <a:normAutofit fontScale="90000"/>
-          </a:bodyPr>
-          <a:lstStyle/>
-          <a:p>
-            <a:r>
-              <a:rPr lang="en-US" dirty="0"/>
-              <a:t>NFA sizes versus DFA sizes</a:t>
-            </a:r>
-          </a:p>
-        </p:txBody>
-      </p:sp>
-      <p:sp>
-        <p:nvSpPr>
-          <p:cNvPr id="3" name="Content Placeholder 2">
-            <a:extLst>
-              <a:ext uri="{FF2B5EF4-FFF2-40B4-BE49-F238E27FC236}">
-                <a16:creationId xmlns:a16="http://schemas.microsoft.com/office/drawing/2014/main" id="{DAF24281-11BA-C244-BECF-71DAAE16CF8A}"/>
-              </a:ext>
-            </a:extLst>
-          </p:cNvPr>
-          <p:cNvSpPr>
-            <a:spLocks noGrp="1"/>
-          </p:cNvSpPr>
-          <p:nvPr>
-            <p:ph idx="1"/>
-          </p:nvPr>
-        </p:nvSpPr>
-        <p:spPr/>
-        <p:txBody>
-          <a:bodyPr/>
-          <a:lstStyle/>
-          <a:p>
-            <a:r>
-              <a:rPr lang="en-US" dirty="0">
-                <a:solidFill>
-                  <a:srgbClr val="FF0000"/>
-                </a:solidFill>
-              </a:rPr>
-              <a:t>NFA</a:t>
-            </a:r>
-            <a:r>
-              <a:rPr lang="en-US" dirty="0"/>
-              <a:t> for “Second bit is 1” versus “Second-last is 1”</a:t>
-            </a:r>
-          </a:p>
-          <a:p>
-            <a:endParaRPr lang="en-US" dirty="0"/>
-          </a:p>
-          <a:p>
-            <a:r>
-              <a:rPr lang="en-US" dirty="0">
-                <a:solidFill>
-                  <a:srgbClr val="0432FF"/>
-                </a:solidFill>
-              </a:rPr>
-              <a:t>DFA</a:t>
-            </a:r>
-            <a:r>
-              <a:rPr lang="en-US" dirty="0"/>
-              <a:t> for “Second bit is 1” versus “Second-last is 1”</a:t>
-            </a:r>
-          </a:p>
-          <a:p>
-            <a:endParaRPr lang="en-US" dirty="0"/>
-          </a:p>
-          <a:p>
-            <a:pPr marL="457200" lvl="1" indent="0">
-              <a:buNone/>
-            </a:pPr>
-            <a:r>
-              <a:rPr lang="en-US" dirty="0"/>
-              <a:t>Which do you think is larger and why (intuition)?</a:t>
-            </a:r>
-          </a:p>
-        </p:txBody>
-      </p:sp>
-    </p:spTree>
-    <p:extLst>
-      <p:ext uri="{BB962C8B-B14F-4D97-AF65-F5344CB8AC3E}">
-        <p14:creationId xmlns:p14="http://schemas.microsoft.com/office/powerpoint/2010/main" val="3826979404"/>
-      </p:ext>
-    </p:extLst>
-  </p:cSld>
-  <p:clrMapOvr>
-    <a:masterClrMapping/>
-  </p:clrMapOvr>
-</p:sld>
-</file>
-
-<file path=ppt/slides/slide21.xml><?xml version="1.0" encoding="utf-8"?>
-<p:sld xmlns:a="http://schemas.openxmlformats.org/drawingml/2006/main" xmlns:r="http://schemas.openxmlformats.org/officeDocument/2006/relationships" xmlns:p="http://schemas.openxmlformats.org/presentationml/2006/main">
-  <p:cSld>
-    <p:spTree>
-      <p:nvGrpSpPr>
-        <p:cNvPr id="1" name=""/>
-        <p:cNvGrpSpPr/>
-        <p:nvPr/>
-      </p:nvGrpSpPr>
-      <p:grpSpPr>
-        <a:xfrm>
-          <a:off x="0" y="0"/>
-          <a:ext cx="0" cy="0"/>
-          <a:chOff x="0" y="0"/>
-          <a:chExt cx="0" cy="0"/>
-        </a:xfrm>
-      </p:grpSpPr>
-      <p:sp>
-        <p:nvSpPr>
-          <p:cNvPr id="2" name="Title 1">
-            <a:extLst>
-              <a:ext uri="{FF2B5EF4-FFF2-40B4-BE49-F238E27FC236}">
                 <a16:creationId xmlns:a16="http://schemas.microsoft.com/office/drawing/2014/main" id="{742A0FFD-4683-F944-A4E3-B922CB801B02}"/>
               </a:ext>
             </a:extLst>
@@ -5986,7 +7265,7 @@
 </p:sld>
 </file>
 
-<file path=ppt/slides/slide22.xml><?xml version="1.0" encoding="utf-8"?>
+<file path=ppt/slides/slide28.xml><?xml version="1.0" encoding="utf-8"?>
 <p:sld xmlns:a="http://schemas.openxmlformats.org/drawingml/2006/main" xmlns:r="http://schemas.openxmlformats.org/officeDocument/2006/relationships" xmlns:p="http://schemas.openxmlformats.org/presentationml/2006/main">
   <p:cSld>
     <p:spTree>
@@ -6081,7 +7360,7 @@
 </p:sld>
 </file>
 
-<file path=ppt/slides/slide23.xml><?xml version="1.0" encoding="utf-8"?>
+<file path=ppt/slides/slide29.xml><?xml version="1.0" encoding="utf-8"?>
 <p:sld xmlns:a="http://schemas.openxmlformats.org/drawingml/2006/main" xmlns:r="http://schemas.openxmlformats.org/officeDocument/2006/relationships" xmlns:p="http://schemas.openxmlformats.org/presentationml/2006/main">
   <p:cSld>
     <p:spTree>
@@ -6265,7 +7544,102 @@
 </p:sld>
 </file>
 
-<file path=ppt/slides/slide24.xml><?xml version="1.0" encoding="utf-8"?>
+<file path=ppt/slides/slide3.xml><?xml version="1.0" encoding="utf-8"?>
+<p:sld xmlns:a="http://schemas.openxmlformats.org/drawingml/2006/main" xmlns:r="http://schemas.openxmlformats.org/officeDocument/2006/relationships" xmlns:p="http://schemas.openxmlformats.org/presentationml/2006/main">
+  <p:cSld>
+    <p:spTree>
+      <p:nvGrpSpPr>
+        <p:cNvPr id="1" name=""/>
+        <p:cNvGrpSpPr/>
+        <p:nvPr/>
+      </p:nvGrpSpPr>
+      <p:grpSpPr>
+        <a:xfrm>
+          <a:off x="0" y="0"/>
+          <a:ext cx="0" cy="0"/>
+          <a:chOff x="0" y="0"/>
+          <a:chExt cx="0" cy="0"/>
+        </a:xfrm>
+      </p:grpSpPr>
+      <p:sp>
+        <p:nvSpPr>
+          <p:cNvPr id="2" name="Title 1">
+            <a:extLst>
+              <a:ext uri="{FF2B5EF4-FFF2-40B4-BE49-F238E27FC236}">
+                <a16:creationId xmlns:a16="http://schemas.microsoft.com/office/drawing/2014/main" id="{E6F8447E-F138-E949-BFAB-A526097C7432}"/>
+              </a:ext>
+            </a:extLst>
+          </p:cNvPr>
+          <p:cNvSpPr>
+            <a:spLocks noGrp="1"/>
+          </p:cNvSpPr>
+          <p:nvPr>
+            <p:ph type="title"/>
+          </p:nvPr>
+        </p:nvSpPr>
+        <p:spPr>
+          <a:xfrm>
+            <a:off x="838200" y="225426"/>
+            <a:ext cx="10515600" cy="618286"/>
+          </a:xfrm>
+        </p:spPr>
+        <p:txBody>
+          <a:bodyPr>
+            <a:normAutofit fontScale="90000"/>
+          </a:bodyPr>
+          <a:lstStyle/>
+          <a:p>
+            <a:r>
+              <a:rPr lang="en-US" dirty="0"/>
+              <a:t>Here is a screenshot of MIDTERM-1 update!</a:t>
+            </a:r>
+          </a:p>
+        </p:txBody>
+      </p:sp>
+      <p:pic>
+        <p:nvPicPr>
+          <p:cNvPr id="7" name="Picture 6" descr="A screenshot of a cell phone&#10;&#10;Description automatically generated">
+            <a:extLst>
+              <a:ext uri="{FF2B5EF4-FFF2-40B4-BE49-F238E27FC236}">
+                <a16:creationId xmlns:a16="http://schemas.microsoft.com/office/drawing/2014/main" id="{153F229A-2A4F-0D44-8581-23BC361A77DD}"/>
+              </a:ext>
+            </a:extLst>
+          </p:cNvPr>
+          <p:cNvPicPr>
+            <a:picLocks noChangeAspect="1"/>
+          </p:cNvPicPr>
+          <p:nvPr/>
+        </p:nvPicPr>
+        <p:blipFill>
+          <a:blip r:embed="rId2"/>
+          <a:stretch>
+            <a:fillRect/>
+          </a:stretch>
+        </p:blipFill>
+        <p:spPr>
+          <a:xfrm>
+            <a:off x="3138254" y="948127"/>
+            <a:ext cx="5915492" cy="5833673"/>
+          </a:xfrm>
+          <a:prstGeom prst="rect">
+            <a:avLst/>
+          </a:prstGeom>
+        </p:spPr>
+      </p:pic>
+    </p:spTree>
+    <p:extLst>
+      <p:ext uri="{BB962C8B-B14F-4D97-AF65-F5344CB8AC3E}">
+        <p14:creationId xmlns:p14="http://schemas.microsoft.com/office/powerpoint/2010/main" val="4157988880"/>
+      </p:ext>
+    </p:extLst>
+  </p:cSld>
+  <p:clrMapOvr>
+    <a:masterClrMapping/>
+  </p:clrMapOvr>
+</p:sld>
+</file>
+
+<file path=ppt/slides/slide30.xml><?xml version="1.0" encoding="utf-8"?>
 <p:sld xmlns:a="http://schemas.openxmlformats.org/drawingml/2006/main" xmlns:r="http://schemas.openxmlformats.org/officeDocument/2006/relationships" xmlns:p="http://schemas.openxmlformats.org/presentationml/2006/main">
   <p:cSld>
     <p:spTree>
@@ -6506,7 +7880,7 @@
 </p:sld>
 </file>
 
-<file path=ppt/slides/slide25.xml><?xml version="1.0" encoding="utf-8"?>
+<file path=ppt/slides/slide31.xml><?xml version="1.0" encoding="utf-8"?>
 <p:sld xmlns:a="http://schemas.openxmlformats.org/drawingml/2006/main" xmlns:r="http://schemas.openxmlformats.org/officeDocument/2006/relationships" xmlns:p="http://schemas.openxmlformats.org/presentationml/2006/main">
   <p:cSld>
     <p:spTree>
@@ -6627,7 +8001,7 @@
 </p:sld>
 </file>
 
-<file path=ppt/slides/slide26.xml><?xml version="1.0" encoding="utf-8"?>
+<file path=ppt/slides/slide32.xml><?xml version="1.0" encoding="utf-8"?>
 <p:sld xmlns:a="http://schemas.openxmlformats.org/drawingml/2006/main" xmlns:r="http://schemas.openxmlformats.org/officeDocument/2006/relationships" xmlns:p="http://schemas.openxmlformats.org/presentationml/2006/main">
   <p:cSld>
     <p:spTree>
@@ -6802,7 +8176,7 @@
 </p:sld>
 </file>
 
-<file path=ppt/slides/slide27.xml><?xml version="1.0" encoding="utf-8"?>
+<file path=ppt/slides/slide33.xml><?xml version="1.0" encoding="utf-8"?>
 <p:sld xmlns:a="http://schemas.openxmlformats.org/drawingml/2006/main" xmlns:r="http://schemas.openxmlformats.org/officeDocument/2006/relationships" xmlns:p="http://schemas.openxmlformats.org/presentationml/2006/main">
   <p:cSld>
     <p:spTree>
@@ -6977,7 +8351,7 @@
 </p:sld>
 </file>
 
-<file path=ppt/slides/slide28.xml><?xml version="1.0" encoding="utf-8"?>
+<file path=ppt/slides/slide34.xml><?xml version="1.0" encoding="utf-8"?>
 <p:sld xmlns:a="http://schemas.openxmlformats.org/drawingml/2006/main" xmlns:r="http://schemas.openxmlformats.org/officeDocument/2006/relationships" xmlns:p="http://schemas.openxmlformats.org/presentationml/2006/main">
   <p:cSld>
     <p:spTree>
@@ -7152,7 +8526,7 @@
 </p:sld>
 </file>
 
-<file path=ppt/slides/slide29.xml><?xml version="1.0" encoding="utf-8"?>
+<file path=ppt/slides/slide35.xml><?xml version="1.0" encoding="utf-8"?>
 <p:sld xmlns:a="http://schemas.openxmlformats.org/drawingml/2006/main" xmlns:r="http://schemas.openxmlformats.org/officeDocument/2006/relationships" xmlns:p="http://schemas.openxmlformats.org/presentationml/2006/main">
   <p:cSld>
     <p:spTree>
@@ -7327,7 +8701,7 @@
 </p:sld>
 </file>
 
-<file path=ppt/slides/slide3.xml><?xml version="1.0" encoding="utf-8"?>
+<file path=ppt/slides/slide36.xml><?xml version="1.0" encoding="utf-8"?>
 <p:sld xmlns:a="http://schemas.openxmlformats.org/drawingml/2006/main" xmlns:r="http://schemas.openxmlformats.org/officeDocument/2006/relationships" xmlns:p="http://schemas.openxmlformats.org/presentationml/2006/main">
   <p:cSld>
     <p:spTree>
@@ -7349,246 +8723,6 @@
           <p:cNvPr id="2" name="Title 1">
             <a:extLst>
               <a:ext uri="{FF2B5EF4-FFF2-40B4-BE49-F238E27FC236}">
-                <a16:creationId xmlns:a16="http://schemas.microsoft.com/office/drawing/2014/main" id="{B092AD3A-DA61-E846-9061-53964E1323B4}"/>
-              </a:ext>
-            </a:extLst>
-          </p:cNvPr>
-          <p:cNvSpPr>
-            <a:spLocks noGrp="1"/>
-          </p:cNvSpPr>
-          <p:nvPr>
-            <p:ph type="title"/>
-          </p:nvPr>
-        </p:nvSpPr>
-        <p:spPr/>
-        <p:txBody>
-          <a:bodyPr>
-            <a:normAutofit fontScale="90000"/>
-          </a:bodyPr>
-          <a:lstStyle/>
-          <a:p>
-            <a:r>
-              <a:rPr lang="en-US" dirty="0">
-                <a:solidFill>
-                  <a:srgbClr val="0432FF"/>
-                </a:solidFill>
-              </a:rPr>
-              <a:t>Recap (solve the Union construction for DFA)</a:t>
-            </a:r>
-          </a:p>
-        </p:txBody>
-      </p:sp>
-      <p:sp>
-        <p:nvSpPr>
-          <p:cNvPr id="3" name="Content Placeholder 2">
-            <a:extLst>
-              <a:ext uri="{FF2B5EF4-FFF2-40B4-BE49-F238E27FC236}">
-                <a16:creationId xmlns:a16="http://schemas.microsoft.com/office/drawing/2014/main" id="{FB10BC50-A0A2-CA42-A400-B39E2437E41F}"/>
-              </a:ext>
-            </a:extLst>
-          </p:cNvPr>
-          <p:cNvSpPr>
-            <a:spLocks noGrp="1"/>
-          </p:cNvSpPr>
-          <p:nvPr>
-            <p:ph idx="1"/>
-          </p:nvPr>
-        </p:nvSpPr>
-        <p:spPr/>
-        <p:txBody>
-          <a:bodyPr>
-            <a:normAutofit/>
-          </a:bodyPr>
-          <a:lstStyle/>
-          <a:p>
-            <a:r>
-              <a:rPr lang="en-US" dirty="0"/>
-              <a:t>Given two DFA D1  = </a:t>
-            </a:r>
-            <a:r>
-              <a:rPr lang="en-US" dirty="0">
-                <a:solidFill>
-                  <a:srgbClr val="0432FF"/>
-                </a:solidFill>
-              </a:rPr>
-              <a:t>(Q1, Sigma, delta1, q01, F1) </a:t>
-            </a:r>
-            <a:r>
-              <a:rPr lang="en-US" dirty="0"/>
-              <a:t>and </a:t>
-            </a:r>
-          </a:p>
-          <a:p>
-            <a:r>
-              <a:rPr lang="en-US" dirty="0"/>
-              <a:t>                       D2 = </a:t>
-            </a:r>
-            <a:r>
-              <a:rPr lang="en-US" dirty="0">
-                <a:solidFill>
-                  <a:srgbClr val="945200"/>
-                </a:solidFill>
-              </a:rPr>
-              <a:t>(Q2, Sigma, delta2, q02, F2)</a:t>
-            </a:r>
-          </a:p>
-          <a:p>
-            <a:r>
-              <a:rPr lang="en-US" dirty="0"/>
-              <a:t>Define a new DFA D such that L(D) = L(D1) </a:t>
-            </a:r>
-            <a:r>
-              <a:rPr lang="en-US" dirty="0">
-                <a:solidFill>
-                  <a:srgbClr val="FF0000"/>
-                </a:solidFill>
-              </a:rPr>
-              <a:t>Union</a:t>
-            </a:r>
-            <a:r>
-              <a:rPr lang="en-US" dirty="0"/>
-              <a:t> L(D2) </a:t>
-            </a:r>
-          </a:p>
-          <a:p>
-            <a:r>
-              <a:rPr lang="en-US" dirty="0"/>
-              <a:t>Let D = (Q, Sigma, delta, q0, F)</a:t>
-            </a:r>
-          </a:p>
-          <a:p>
-            <a:r>
-              <a:rPr lang="en-US" dirty="0"/>
-              <a:t>What are these items:</a:t>
-            </a:r>
-          </a:p>
-          <a:p>
-            <a:pPr lvl="1"/>
-            <a:r>
-              <a:rPr lang="en-US" dirty="0">
-                <a:solidFill>
-                  <a:srgbClr val="0432FF"/>
-                </a:solidFill>
-              </a:rPr>
-              <a:t>Q  =  ?</a:t>
-            </a:r>
-          </a:p>
-          <a:p>
-            <a:pPr lvl="1"/>
-            <a:r>
-              <a:rPr lang="en-US" dirty="0">
-                <a:solidFill>
-                  <a:srgbClr val="0432FF"/>
-                </a:solidFill>
-              </a:rPr>
-              <a:t>q0 =  ?</a:t>
-            </a:r>
-          </a:p>
-          <a:p>
-            <a:pPr lvl="1"/>
-            <a:r>
-              <a:rPr lang="en-US" dirty="0">
-                <a:solidFill>
-                  <a:srgbClr val="0432FF"/>
-                </a:solidFill>
-              </a:rPr>
-              <a:t>F   =  ?</a:t>
-            </a:r>
-          </a:p>
-          <a:p>
-            <a:pPr lvl="1"/>
-            <a:r>
-              <a:rPr lang="en-US" dirty="0"/>
-              <a:t>For x in Sigma, what is </a:t>
-            </a:r>
-            <a:r>
-              <a:rPr lang="en-US" dirty="0">
-                <a:solidFill>
-                  <a:srgbClr val="0432FF"/>
-                </a:solidFill>
-              </a:rPr>
-              <a:t>delta( (q1, q2), x ) = ?</a:t>
-            </a:r>
-          </a:p>
-          <a:p>
-            <a:endParaRPr lang="en-US" dirty="0"/>
-          </a:p>
-        </p:txBody>
-      </p:sp>
-      <p:sp>
-        <p:nvSpPr>
-          <p:cNvPr id="4" name="TextBox 3">
-            <a:extLst>
-              <a:ext uri="{FF2B5EF4-FFF2-40B4-BE49-F238E27FC236}">
-                <a16:creationId xmlns:a16="http://schemas.microsoft.com/office/drawing/2014/main" id="{36949EA7-BC49-F34A-BD87-593FE34D5D49}"/>
-              </a:ext>
-            </a:extLst>
-          </p:cNvPr>
-          <p:cNvSpPr txBox="1"/>
-          <p:nvPr/>
-        </p:nvSpPr>
-        <p:spPr>
-          <a:xfrm>
-            <a:off x="7729728" y="4462272"/>
-            <a:ext cx="976486" cy="369332"/>
-          </a:xfrm>
-          <a:prstGeom prst="rect">
-            <a:avLst/>
-          </a:prstGeom>
-          <a:noFill/>
-        </p:spPr>
-        <p:txBody>
-          <a:bodyPr wrap="none" rtlCol="0">
-            <a:spAutoFit/>
-          </a:bodyPr>
-          <a:lstStyle/>
-          <a:p>
-            <a:r>
-              <a:rPr lang="en-US" dirty="0">
-                <a:solidFill>
-                  <a:srgbClr val="FF0000"/>
-                </a:solidFill>
-              </a:rPr>
-              <a:t>(PAUSE)</a:t>
-            </a:r>
-          </a:p>
-        </p:txBody>
-      </p:sp>
-    </p:spTree>
-    <p:extLst>
-      <p:ext uri="{BB962C8B-B14F-4D97-AF65-F5344CB8AC3E}">
-        <p14:creationId xmlns:p14="http://schemas.microsoft.com/office/powerpoint/2010/main" val="1658143677"/>
-      </p:ext>
-    </p:extLst>
-  </p:cSld>
-  <p:clrMapOvr>
-    <a:masterClrMapping/>
-  </p:clrMapOvr>
-</p:sld>
-</file>
-
-<file path=ppt/slides/slide30.xml><?xml version="1.0" encoding="utf-8"?>
-<p:sld xmlns:a="http://schemas.openxmlformats.org/drawingml/2006/main" xmlns:r="http://schemas.openxmlformats.org/officeDocument/2006/relationships" xmlns:p="http://schemas.openxmlformats.org/presentationml/2006/main">
-  <p:cSld>
-    <p:spTree>
-      <p:nvGrpSpPr>
-        <p:cNvPr id="1" name=""/>
-        <p:cNvGrpSpPr/>
-        <p:nvPr/>
-      </p:nvGrpSpPr>
-      <p:grpSpPr>
-        <a:xfrm>
-          <a:off x="0" y="0"/>
-          <a:ext cx="0" cy="0"/>
-          <a:chOff x="0" y="0"/>
-          <a:chExt cx="0" cy="0"/>
-        </a:xfrm>
-      </p:grpSpPr>
-      <p:sp>
-        <p:nvSpPr>
-          <p:cNvPr id="2" name="Title 1">
-            <a:extLst>
-              <a:ext uri="{FF2B5EF4-FFF2-40B4-BE49-F238E27FC236}">
                 <a16:creationId xmlns:a16="http://schemas.microsoft.com/office/drawing/2014/main" id="{EE670DA1-9FA8-C241-95B4-08B6B60BEA06}"/>
               </a:ext>
             </a:extLst>
@@ -7742,7 +8876,7 @@
 </p:sld>
 </file>
 
-<file path=ppt/slides/slide31.xml><?xml version="1.0" encoding="utf-8"?>
+<file path=ppt/slides/slide37.xml><?xml version="1.0" encoding="utf-8"?>
 <p:sld xmlns:a="http://schemas.openxmlformats.org/drawingml/2006/main" xmlns:r="http://schemas.openxmlformats.org/officeDocument/2006/relationships" xmlns:p="http://schemas.openxmlformats.org/presentationml/2006/main">
   <p:cSld>
     <p:spTree>
@@ -8029,7 +9163,7 @@
 </p:sld>
 </file>
 
-<file path=ppt/slides/slide32.xml><?xml version="1.0" encoding="utf-8"?>
+<file path=ppt/slides/slide38.xml><?xml version="1.0" encoding="utf-8"?>
 <p:sld xmlns:a="http://schemas.openxmlformats.org/drawingml/2006/main" xmlns:r="http://schemas.openxmlformats.org/officeDocument/2006/relationships" xmlns:p="http://schemas.openxmlformats.org/presentationml/2006/main">
   <p:cSld>
     <p:spTree>
@@ -8160,7 +9294,7 @@
 </p:sld>
 </file>
 
-<file path=ppt/slides/slide33.xml><?xml version="1.0" encoding="utf-8"?>
+<file path=ppt/slides/slide39.xml><?xml version="1.0" encoding="utf-8"?>
 <p:sld xmlns:a="http://schemas.openxmlformats.org/drawingml/2006/main" xmlns:r="http://schemas.openxmlformats.org/officeDocument/2006/relationships" xmlns:p="http://schemas.openxmlformats.org/presentationml/2006/main">
   <p:cSld>
     <p:spTree>
@@ -8255,7 +9389,283 @@
 </p:sld>
 </file>
 
-<file path=ppt/slides/slide34.xml><?xml version="1.0" encoding="utf-8"?>
+<file path=ppt/slides/slide4.xml><?xml version="1.0" encoding="utf-8"?>
+<p:sld xmlns:a="http://schemas.openxmlformats.org/drawingml/2006/main" xmlns:r="http://schemas.openxmlformats.org/officeDocument/2006/relationships" xmlns:p="http://schemas.openxmlformats.org/presentationml/2006/main">
+  <p:cSld>
+    <p:spTree>
+      <p:nvGrpSpPr>
+        <p:cNvPr id="1" name=""/>
+        <p:cNvGrpSpPr/>
+        <p:nvPr/>
+      </p:nvGrpSpPr>
+      <p:grpSpPr>
+        <a:xfrm>
+          <a:off x="0" y="0"/>
+          <a:ext cx="0" cy="0"/>
+          <a:chOff x="0" y="0"/>
+          <a:chExt cx="0" cy="0"/>
+        </a:xfrm>
+      </p:grpSpPr>
+      <p:sp>
+        <p:nvSpPr>
+          <p:cNvPr id="2" name="Title 1">
+            <a:extLst>
+              <a:ext uri="{FF2B5EF4-FFF2-40B4-BE49-F238E27FC236}">
+                <a16:creationId xmlns:a16="http://schemas.microsoft.com/office/drawing/2014/main" id="{E6F8447E-F138-E949-BFAB-A526097C7432}"/>
+              </a:ext>
+            </a:extLst>
+          </p:cNvPr>
+          <p:cNvSpPr>
+            <a:spLocks noGrp="1"/>
+          </p:cNvSpPr>
+          <p:nvPr>
+            <p:ph type="title"/>
+          </p:nvPr>
+        </p:nvSpPr>
+        <p:spPr/>
+        <p:txBody>
+          <a:bodyPr>
+            <a:normAutofit fontScale="90000"/>
+          </a:bodyPr>
+          <a:lstStyle/>
+          <a:p>
+            <a:r>
+              <a:rPr lang="en-US" dirty="0"/>
+              <a:t>The 30,000 feet view till Midterm-1</a:t>
+            </a:r>
+          </a:p>
+        </p:txBody>
+      </p:sp>
+      <p:sp>
+        <p:nvSpPr>
+          <p:cNvPr id="3" name="Content Placeholder 2">
+            <a:extLst>
+              <a:ext uri="{FF2B5EF4-FFF2-40B4-BE49-F238E27FC236}">
+                <a16:creationId xmlns:a16="http://schemas.microsoft.com/office/drawing/2014/main" id="{030DEE7F-F911-E342-9FD8-74B74E876BD8}"/>
+              </a:ext>
+            </a:extLst>
+          </p:cNvPr>
+          <p:cNvSpPr>
+            <a:spLocks noGrp="1"/>
+          </p:cNvSpPr>
+          <p:nvPr>
+            <p:ph idx="1"/>
+          </p:nvPr>
+        </p:nvSpPr>
+        <p:spPr>
+          <a:xfrm>
+            <a:off x="838200" y="1132114"/>
+            <a:ext cx="10515600" cy="5573486"/>
+          </a:xfrm>
+        </p:spPr>
+        <p:txBody>
+          <a:bodyPr>
+            <a:normAutofit fontScale="55000" lnSpcReduction="20000"/>
+          </a:bodyPr>
+          <a:lstStyle/>
+          <a:p>
+            <a:r>
+              <a:rPr lang="en-US" dirty="0"/>
+              <a:t>Big Picture</a:t>
+            </a:r>
+          </a:p>
+          <a:p>
+            <a:pPr lvl="1"/>
+            <a:r>
+              <a:rPr lang="en-US" dirty="0"/>
+              <a:t>DFA: Get its design well-understood</a:t>
+            </a:r>
+          </a:p>
+          <a:p>
+            <a:pPr lvl="1"/>
+            <a:r>
+              <a:rPr lang="en-US" dirty="0"/>
+              <a:t>Large DFA: </a:t>
+            </a:r>
+          </a:p>
+          <a:p>
+            <a:pPr lvl="2"/>
+            <a:r>
+              <a:rPr lang="en-US" dirty="0"/>
+              <a:t>We will be converting regular expressions (RE) to NFA then to DFA</a:t>
+            </a:r>
+          </a:p>
+          <a:p>
+            <a:pPr lvl="2"/>
+            <a:r>
+              <a:rPr lang="en-US" dirty="0"/>
+              <a:t>Sometimes we will design a DFA in parts and assemble (union, intersection, etc.)</a:t>
+            </a:r>
+          </a:p>
+          <a:p>
+            <a:r>
+              <a:rPr lang="en-US" dirty="0"/>
+              <a:t>NFA</a:t>
+            </a:r>
+          </a:p>
+          <a:p>
+            <a:pPr lvl="1"/>
+            <a:r>
+              <a:rPr lang="en-US" dirty="0"/>
+              <a:t>We will study its Delta function through simulation</a:t>
+            </a:r>
+          </a:p>
+          <a:p>
+            <a:pPr lvl="2"/>
+            <a:r>
+              <a:rPr lang="en-US" dirty="0"/>
+              <a:t>How to think of non-determinism (if you were to build a non-deterministic device!)</a:t>
+            </a:r>
+          </a:p>
+          <a:p>
+            <a:pPr lvl="2"/>
+            <a:r>
+              <a:rPr lang="en-US" dirty="0"/>
+              <a:t>Basic tool in complexity theory (non-deterministic Turing Machines build off this)</a:t>
+            </a:r>
+          </a:p>
+          <a:p>
+            <a:pPr lvl="1"/>
+            <a:r>
+              <a:rPr lang="en-US" dirty="0"/>
+              <a:t>Main things with an NFA:</a:t>
+            </a:r>
+          </a:p>
+          <a:p>
+            <a:pPr lvl="2"/>
+            <a:r>
+              <a:rPr lang="en-US" dirty="0"/>
+              <a:t>NFA to DFA algorithm</a:t>
+            </a:r>
+          </a:p>
+          <a:p>
+            <a:pPr lvl="3"/>
+            <a:r>
+              <a:rPr lang="en-US" dirty="0"/>
+              <a:t>Follows the simulation mindset closely, but the end result is a single DFA that acts like an NFA</a:t>
+            </a:r>
+          </a:p>
+          <a:p>
+            <a:r>
+              <a:rPr lang="en-US" dirty="0"/>
+              <a:t>Some things are hard (directly to do) with a DFA, some with an NFA  </a:t>
+            </a:r>
+          </a:p>
+          <a:p>
+            <a:pPr lvl="1"/>
+            <a:r>
+              <a:rPr lang="en-US" dirty="0"/>
+              <a:t>DFA: which are hard: Union? Intersection? Complement? Concatenation? Star?</a:t>
+            </a:r>
+          </a:p>
+          <a:p>
+            <a:pPr lvl="1"/>
+            <a:r>
+              <a:rPr lang="en-US" dirty="0"/>
+              <a:t>NFA: which are hard: Union? Intersection? Complement? Concatenation? Star?</a:t>
+            </a:r>
+          </a:p>
+          <a:p>
+            <a:pPr lvl="1"/>
+            <a:r>
+              <a:rPr lang="en-US" dirty="0"/>
+              <a:t>RE (Regular Expressions): Just how you TYPE IN certain well-structured NFA !!! No more, no less!!!</a:t>
+            </a:r>
+          </a:p>
+          <a:p>
+            <a:pPr lvl="1"/>
+            <a:r>
+              <a:rPr lang="en-US" dirty="0"/>
+              <a:t>Will learn to convert RE to NFA to DFA to NFA to RE to NFA to DFA … (as many times) … and minimize a DFA whenever!</a:t>
+            </a:r>
+          </a:p>
+          <a:p>
+            <a:r>
+              <a:rPr lang="en-US" dirty="0" err="1"/>
+              <a:t>Brzozowski’s</a:t>
+            </a:r>
+            <a:r>
+              <a:rPr lang="en-US" dirty="0"/>
+              <a:t> minimization</a:t>
+            </a:r>
+          </a:p>
+          <a:p>
+            <a:pPr lvl="1"/>
+            <a:r>
+              <a:rPr lang="en-US" dirty="0"/>
+              <a:t>The most powerful one-line Python program you’ll write in this course!</a:t>
+            </a:r>
+          </a:p>
+          <a:p>
+            <a:pPr lvl="2"/>
+            <a:r>
+              <a:rPr lang="en-US" dirty="0"/>
+              <a:t>Other textbooks teach the </a:t>
+            </a:r>
+            <a:r>
+              <a:rPr lang="en-US" dirty="0" err="1"/>
+              <a:t>dyn</a:t>
+            </a:r>
+            <a:r>
+              <a:rPr lang="en-US" dirty="0"/>
+              <a:t> prog algo which we will also study!</a:t>
+            </a:r>
+          </a:p>
+          <a:p>
+            <a:pPr lvl="1"/>
+            <a:r>
+              <a:rPr lang="en-US" dirty="0"/>
+              <a:t>Learned at the feet of Prof. </a:t>
+            </a:r>
+            <a:r>
+              <a:rPr lang="en-US" dirty="0" err="1"/>
+              <a:t>Brzozowski</a:t>
+            </a:r>
+            <a:r>
+              <a:rPr lang="en-US" dirty="0"/>
+              <a:t>: His minimization is often faster !!</a:t>
+            </a:r>
+          </a:p>
+          <a:p>
+            <a:r>
+              <a:rPr lang="en-US" dirty="0" err="1"/>
+              <a:t>Brzozowski’s</a:t>
+            </a:r>
+            <a:r>
+              <a:rPr lang="en-US" dirty="0"/>
+              <a:t> Derivatives</a:t>
+            </a:r>
+          </a:p>
+          <a:p>
+            <a:pPr lvl="1"/>
+            <a:r>
+              <a:rPr lang="en-US" dirty="0"/>
+              <a:t>The “d/dx” of Automata !!!</a:t>
+            </a:r>
+          </a:p>
+          <a:p>
+            <a:pPr lvl="1"/>
+            <a:r>
+              <a:rPr lang="en-US" dirty="0"/>
+              <a:t>Helps you handle complementation of RE</a:t>
+            </a:r>
+          </a:p>
+        </p:txBody>
+      </p:sp>
+    </p:spTree>
+    <p:extLst>
+      <p:ext uri="{BB962C8B-B14F-4D97-AF65-F5344CB8AC3E}">
+        <p14:creationId xmlns:p14="http://schemas.microsoft.com/office/powerpoint/2010/main" val="373413575"/>
+      </p:ext>
+    </p:extLst>
+  </p:cSld>
+  <p:clrMapOvr>
+    <a:masterClrMapping/>
+  </p:clrMapOvr>
+</p:sld>
+</file>
+
+<file path=ppt/slides/slide40.xml><?xml version="1.0" encoding="utf-8"?>
 <p:sld xmlns:a="http://schemas.openxmlformats.org/drawingml/2006/main" xmlns:r="http://schemas.openxmlformats.org/officeDocument/2006/relationships" xmlns:p="http://schemas.openxmlformats.org/presentationml/2006/main">
   <p:cSld>
     <p:spTree>
@@ -8380,7 +9790,7 @@
 </p:sld>
 </file>
 
-<file path=ppt/slides/slide35.xml><?xml version="1.0" encoding="utf-8"?>
+<file path=ppt/slides/slide41.xml><?xml version="1.0" encoding="utf-8"?>
 <p:sld xmlns:a="http://schemas.openxmlformats.org/drawingml/2006/main" xmlns:r="http://schemas.openxmlformats.org/officeDocument/2006/relationships" xmlns:p="http://schemas.openxmlformats.org/presentationml/2006/main">
   <p:cSld>
     <p:spTree>
@@ -8477,246 +9887,6 @@
     <p:extLst>
       <p:ext uri="{BB962C8B-B14F-4D97-AF65-F5344CB8AC3E}">
         <p14:creationId xmlns:p14="http://schemas.microsoft.com/office/powerpoint/2010/main" val="2392853670"/>
-      </p:ext>
-    </p:extLst>
-  </p:cSld>
-  <p:clrMapOvr>
-    <a:masterClrMapping/>
-  </p:clrMapOvr>
-</p:sld>
-</file>
-
-<file path=ppt/slides/slide4.xml><?xml version="1.0" encoding="utf-8"?>
-<p:sld xmlns:a="http://schemas.openxmlformats.org/drawingml/2006/main" xmlns:r="http://schemas.openxmlformats.org/officeDocument/2006/relationships" xmlns:p="http://schemas.openxmlformats.org/presentationml/2006/main">
-  <p:cSld>
-    <p:spTree>
-      <p:nvGrpSpPr>
-        <p:cNvPr id="1" name=""/>
-        <p:cNvGrpSpPr/>
-        <p:nvPr/>
-      </p:nvGrpSpPr>
-      <p:grpSpPr>
-        <a:xfrm>
-          <a:off x="0" y="0"/>
-          <a:ext cx="0" cy="0"/>
-          <a:chOff x="0" y="0"/>
-          <a:chExt cx="0" cy="0"/>
-        </a:xfrm>
-      </p:grpSpPr>
-      <p:sp>
-        <p:nvSpPr>
-          <p:cNvPr id="2" name="Title 1">
-            <a:extLst>
-              <a:ext uri="{FF2B5EF4-FFF2-40B4-BE49-F238E27FC236}">
-                <a16:creationId xmlns:a16="http://schemas.microsoft.com/office/drawing/2014/main" id="{B092AD3A-DA61-E846-9061-53964E1323B4}"/>
-              </a:ext>
-            </a:extLst>
-          </p:cNvPr>
-          <p:cNvSpPr>
-            <a:spLocks noGrp="1"/>
-          </p:cNvSpPr>
-          <p:nvPr>
-            <p:ph type="title"/>
-          </p:nvPr>
-        </p:nvSpPr>
-        <p:spPr/>
-        <p:txBody>
-          <a:bodyPr>
-            <a:normAutofit fontScale="90000"/>
-          </a:bodyPr>
-          <a:lstStyle/>
-          <a:p>
-            <a:r>
-              <a:rPr lang="en-US" dirty="0">
-                <a:solidFill>
-                  <a:srgbClr val="0432FF"/>
-                </a:solidFill>
-              </a:rPr>
-              <a:t>Union of two DFA</a:t>
-            </a:r>
-          </a:p>
-        </p:txBody>
-      </p:sp>
-      <p:sp>
-        <p:nvSpPr>
-          <p:cNvPr id="3" name="Content Placeholder 2">
-            <a:extLst>
-              <a:ext uri="{FF2B5EF4-FFF2-40B4-BE49-F238E27FC236}">
-                <a16:creationId xmlns:a16="http://schemas.microsoft.com/office/drawing/2014/main" id="{FB10BC50-A0A2-CA42-A400-B39E2437E41F}"/>
-              </a:ext>
-            </a:extLst>
-          </p:cNvPr>
-          <p:cNvSpPr>
-            <a:spLocks noGrp="1"/>
-          </p:cNvSpPr>
-          <p:nvPr>
-            <p:ph idx="1"/>
-          </p:nvPr>
-        </p:nvSpPr>
-        <p:spPr/>
-        <p:txBody>
-          <a:bodyPr>
-            <a:normAutofit/>
-          </a:bodyPr>
-          <a:lstStyle/>
-          <a:p>
-            <a:r>
-              <a:rPr lang="en-US" dirty="0"/>
-              <a:t>Given two DFA D1  = </a:t>
-            </a:r>
-            <a:r>
-              <a:rPr lang="en-US" dirty="0">
-                <a:solidFill>
-                  <a:srgbClr val="0432FF"/>
-                </a:solidFill>
-              </a:rPr>
-              <a:t>(Q1, Sigma, delta1, q01, F1) </a:t>
-            </a:r>
-            <a:r>
-              <a:rPr lang="en-US" dirty="0"/>
-              <a:t>and </a:t>
-            </a:r>
-          </a:p>
-          <a:p>
-            <a:r>
-              <a:rPr lang="en-US" dirty="0"/>
-              <a:t>                       D2 = </a:t>
-            </a:r>
-            <a:r>
-              <a:rPr lang="en-US" dirty="0">
-                <a:solidFill>
-                  <a:srgbClr val="945200"/>
-                </a:solidFill>
-              </a:rPr>
-              <a:t>(Q2, Sigma, delta2, q02, F2)</a:t>
-            </a:r>
-          </a:p>
-          <a:p>
-            <a:r>
-              <a:rPr lang="en-US" dirty="0"/>
-              <a:t>Define a new DFA D such that L(D) = L(D1) </a:t>
-            </a:r>
-            <a:r>
-              <a:rPr lang="en-US" dirty="0">
-                <a:solidFill>
-                  <a:srgbClr val="FF0000"/>
-                </a:solidFill>
-              </a:rPr>
-              <a:t>Union</a:t>
-            </a:r>
-            <a:r>
-              <a:rPr lang="en-US" dirty="0"/>
-              <a:t> L(D2) </a:t>
-            </a:r>
-          </a:p>
-          <a:p>
-            <a:r>
-              <a:rPr lang="en-US" dirty="0"/>
-              <a:t>Let D = (Q, Sigma, delta, q0, F)</a:t>
-            </a:r>
-          </a:p>
-          <a:p>
-            <a:r>
-              <a:rPr lang="en-US" dirty="0"/>
-              <a:t>What are these items:</a:t>
-            </a:r>
-          </a:p>
-          <a:p>
-            <a:pPr lvl="1"/>
-            <a:r>
-              <a:rPr lang="en-US" dirty="0">
-                <a:solidFill>
-                  <a:srgbClr val="0432FF"/>
-                </a:solidFill>
-              </a:rPr>
-              <a:t>Q  =  ?</a:t>
-            </a:r>
-          </a:p>
-          <a:p>
-            <a:pPr lvl="1"/>
-            <a:r>
-              <a:rPr lang="en-US" dirty="0">
-                <a:solidFill>
-                  <a:srgbClr val="0432FF"/>
-                </a:solidFill>
-              </a:rPr>
-              <a:t>q0 =  ?</a:t>
-            </a:r>
-          </a:p>
-          <a:p>
-            <a:pPr lvl="1"/>
-            <a:r>
-              <a:rPr lang="en-US" dirty="0">
-                <a:solidFill>
-                  <a:srgbClr val="0432FF"/>
-                </a:solidFill>
-              </a:rPr>
-              <a:t>F   =  ?</a:t>
-            </a:r>
-          </a:p>
-          <a:p>
-            <a:pPr lvl="1"/>
-            <a:r>
-              <a:rPr lang="en-US" dirty="0"/>
-              <a:t>For x in Sigma, what is </a:t>
-            </a:r>
-            <a:r>
-              <a:rPr lang="en-US" dirty="0">
-                <a:solidFill>
-                  <a:srgbClr val="0432FF"/>
-                </a:solidFill>
-              </a:rPr>
-              <a:t>delta( (q1, q2), x ) = ?</a:t>
-            </a:r>
-          </a:p>
-          <a:p>
-            <a:endParaRPr lang="en-US" dirty="0"/>
-          </a:p>
-        </p:txBody>
-      </p:sp>
-      <p:sp>
-        <p:nvSpPr>
-          <p:cNvPr id="4" name="TextBox 3">
-            <a:extLst>
-              <a:ext uri="{FF2B5EF4-FFF2-40B4-BE49-F238E27FC236}">
-                <a16:creationId xmlns:a16="http://schemas.microsoft.com/office/drawing/2014/main" id="{36949EA7-BC49-F34A-BD87-593FE34D5D49}"/>
-              </a:ext>
-            </a:extLst>
-          </p:cNvPr>
-          <p:cNvSpPr txBox="1"/>
-          <p:nvPr/>
-        </p:nvSpPr>
-        <p:spPr>
-          <a:xfrm>
-            <a:off x="7729728" y="4462272"/>
-            <a:ext cx="2730235" cy="369332"/>
-          </a:xfrm>
-          <a:prstGeom prst="rect">
-            <a:avLst/>
-          </a:prstGeom>
-          <a:noFill/>
-        </p:spPr>
-        <p:txBody>
-          <a:bodyPr wrap="none" rtlCol="0">
-            <a:spAutoFit/>
-          </a:bodyPr>
-          <a:lstStyle/>
-          <a:p>
-            <a:r>
-              <a:rPr lang="en-US" dirty="0">
-                <a:solidFill>
-                  <a:srgbClr val="FF0000"/>
-                </a:solidFill>
-              </a:rPr>
-              <a:t>( would you like hints?? )</a:t>
-            </a:r>
-          </a:p>
-        </p:txBody>
-      </p:sp>
-    </p:spTree>
-    <p:extLst>
-      <p:ext uri="{BB962C8B-B14F-4D97-AF65-F5344CB8AC3E}">
-        <p14:creationId xmlns:p14="http://schemas.microsoft.com/office/powerpoint/2010/main" val="2265970254"/>
       </p:ext>
     </p:extLst>
   </p:cSld>
@@ -8748,7 +9918,7 @@
           <p:cNvPr id="2" name="Title 1">
             <a:extLst>
               <a:ext uri="{FF2B5EF4-FFF2-40B4-BE49-F238E27FC236}">
-                <a16:creationId xmlns:a16="http://schemas.microsoft.com/office/drawing/2014/main" id="{B092AD3A-DA61-E846-9061-53964E1323B4}"/>
+                <a16:creationId xmlns:a16="http://schemas.microsoft.com/office/drawing/2014/main" id="{E6F8447E-F138-E949-BFAB-A526097C7432}"/>
               </a:ext>
             </a:extLst>
           </p:cNvPr>
@@ -8767,12 +9937,28 @@
           <a:lstStyle/>
           <a:p>
             <a:r>
-              <a:rPr lang="en-US" dirty="0">
-                <a:solidFill>
-                  <a:srgbClr val="0432FF"/>
-                </a:solidFill>
-              </a:rPr>
-              <a:t>Union of two DFA</a:t>
+              <a:rPr lang="en-US" dirty="0"/>
+              <a:t>Honoring Prof. </a:t>
+            </a:r>
+            <a:r>
+              <a:rPr lang="en-US" dirty="0" err="1"/>
+              <a:t>Janusz</a:t>
+            </a:r>
+            <a:r>
+              <a:rPr lang="en-US" dirty="0"/>
+              <a:t> </a:t>
+            </a:r>
+            <a:r>
+              <a:rPr lang="en-US" dirty="0" err="1"/>
+              <a:t>Brzozowski</a:t>
+            </a:r>
+            <a:r>
+              <a:rPr lang="en-US" dirty="0"/>
+              <a:t> </a:t>
+            </a:r>
+            <a:r>
+              <a:rPr lang="en-US" sz="2000" dirty="0"/>
+              <a:t>(lucky me!)</a:t>
             </a:r>
           </a:p>
         </p:txBody>
@@ -8782,7 +9968,7 @@
           <p:cNvPr id="3" name="Content Placeholder 2">
             <a:extLst>
               <a:ext uri="{FF2B5EF4-FFF2-40B4-BE49-F238E27FC236}">
-                <a16:creationId xmlns:a16="http://schemas.microsoft.com/office/drawing/2014/main" id="{FB10BC50-A0A2-CA42-A400-B39E2437E41F}"/>
+                <a16:creationId xmlns:a16="http://schemas.microsoft.com/office/drawing/2014/main" id="{030DEE7F-F911-E342-9FD8-74B74E876BD8}"/>
               </a:ext>
             </a:extLst>
           </p:cNvPr>
@@ -8793,170 +9979,68 @@
             <p:ph idx="1"/>
           </p:nvPr>
         </p:nvSpPr>
-        <p:spPr/>
-        <p:txBody>
-          <a:bodyPr>
-            <a:normAutofit/>
-          </a:bodyPr>
-          <a:lstStyle/>
-          <a:p>
-            <a:r>
-              <a:rPr lang="en-US" dirty="0"/>
-              <a:t>Given two DFA D1  = </a:t>
+        <p:spPr>
+          <a:xfrm>
+            <a:off x="838200" y="983412"/>
+            <a:ext cx="10515600" cy="4351338"/>
+          </a:xfrm>
+        </p:spPr>
+        <p:txBody>
+          <a:bodyPr/>
+          <a:lstStyle/>
+          <a:p>
+            <a:r>
+              <a:rPr lang="en-US" dirty="0"/>
+              <a:t> </a:t>
             </a:r>
             <a:r>
               <a:rPr lang="en-US" dirty="0">
-                <a:solidFill>
-                  <a:srgbClr val="0432FF"/>
-                </a:solidFill>
+                <a:hlinkClick r:id="rId2"/>
               </a:rPr>
-              <a:t>(Q1, Sigma, delta1, q01, F1) </a:t>
-            </a:r>
-            <a:r>
-              <a:rPr lang="en-US" dirty="0"/>
-              <a:t>and </a:t>
-            </a:r>
-          </a:p>
-          <a:p>
-            <a:r>
-              <a:rPr lang="en-US" dirty="0"/>
-              <a:t>                       D2 = </a:t>
-            </a:r>
-            <a:r>
-              <a:rPr lang="en-US" dirty="0">
-                <a:solidFill>
-                  <a:srgbClr val="945200"/>
-                </a:solidFill>
-              </a:rPr>
-              <a:t>(Q2, Sigma, delta2, q02, F2)</a:t>
-            </a:r>
-          </a:p>
-          <a:p>
-            <a:r>
-              <a:rPr lang="en-US" dirty="0"/>
-              <a:t>Define a new DFA D such that L(D) = L(D1) </a:t>
-            </a:r>
-            <a:r>
-              <a:rPr lang="en-US" dirty="0">
-                <a:solidFill>
-                  <a:srgbClr val="FF0000"/>
-                </a:solidFill>
-              </a:rPr>
-              <a:t>Union</a:t>
-            </a:r>
-            <a:r>
-              <a:rPr lang="en-US" dirty="0"/>
-              <a:t> L(D2) </a:t>
-            </a:r>
-          </a:p>
-          <a:p>
-            <a:r>
-              <a:rPr lang="en-US" dirty="0"/>
-              <a:t>Let D = (Q, Sigma, delta, q0, F)</a:t>
-            </a:r>
-          </a:p>
-          <a:p>
-            <a:r>
-              <a:rPr lang="en-US" dirty="0"/>
-              <a:t>What are these items:</a:t>
-            </a:r>
-          </a:p>
-          <a:p>
-            <a:pPr lvl="1"/>
-            <a:r>
-              <a:rPr lang="en-US" dirty="0">
-                <a:solidFill>
-                  <a:srgbClr val="0432FF"/>
-                </a:solidFill>
-              </a:rPr>
-              <a:t>Q  =  Q1 x Q2</a:t>
-            </a:r>
-          </a:p>
-          <a:p>
-            <a:pPr lvl="1"/>
-            <a:r>
-              <a:rPr lang="en-US" dirty="0">
-                <a:solidFill>
-                  <a:srgbClr val="0432FF"/>
-                </a:solidFill>
-              </a:rPr>
-              <a:t>q0 =  (q01, q02)</a:t>
-            </a:r>
-          </a:p>
-          <a:p>
-            <a:pPr lvl="1"/>
-            <a:r>
-              <a:rPr lang="en-US" dirty="0">
-                <a:solidFill>
-                  <a:srgbClr val="0432FF"/>
-                </a:solidFill>
-              </a:rPr>
-              <a:t>F   =  (F1 x Q2) U (Q1 x F2)</a:t>
-            </a:r>
-          </a:p>
-          <a:p>
-            <a:pPr lvl="1"/>
-            <a:r>
-              <a:rPr lang="en-US" dirty="0"/>
-              <a:t>For x in Sigma, what is </a:t>
-            </a:r>
-            <a:r>
-              <a:rPr lang="en-US" dirty="0">
-                <a:solidFill>
-                  <a:srgbClr val="0432FF"/>
-                </a:solidFill>
-              </a:rPr>
-              <a:t>delta( (q1, q2), x ) = ( delta1(q1, x), delta2(q2,x) )</a:t>
-            </a:r>
-          </a:p>
-          <a:p>
-            <a:endParaRPr lang="en-US" dirty="0"/>
-          </a:p>
-        </p:txBody>
-      </p:sp>
-      <p:sp>
-        <p:nvSpPr>
-          <p:cNvPr id="4" name="TextBox 3">
+              <a:t>https://en.wikipedia.org/wiki/Janusz_Brzozowski_(computer_scientist)</a:t>
+            </a:r>
+            <a:endParaRPr lang="en-US" dirty="0">
+              <a:solidFill>
+                <a:srgbClr val="FF0000"/>
+              </a:solidFill>
+            </a:endParaRPr>
+          </a:p>
+        </p:txBody>
+      </p:sp>
+      <p:pic>
+        <p:nvPicPr>
+          <p:cNvPr id="5" name="Picture 4" descr="A person wearing a suit and tie smiling at the camera&#10;&#10;Description automatically generated">
             <a:extLst>
               <a:ext uri="{FF2B5EF4-FFF2-40B4-BE49-F238E27FC236}">
-                <a16:creationId xmlns:a16="http://schemas.microsoft.com/office/drawing/2014/main" id="{8EDFC300-850C-8E4F-8AD8-CA825292DDB1}"/>
+                <a16:creationId xmlns:a16="http://schemas.microsoft.com/office/drawing/2014/main" id="{00CDF5C8-CC58-4344-89AA-6175331071CF}"/>
               </a:ext>
             </a:extLst>
           </p:cNvPr>
-          <p:cNvSpPr txBox="1"/>
+          <p:cNvPicPr>
+            <a:picLocks noChangeAspect="1"/>
+          </p:cNvPicPr>
           <p:nvPr/>
-        </p:nvSpPr>
+        </p:nvPicPr>
+        <p:blipFill>
+          <a:blip r:embed="rId3"/>
+          <a:stretch>
+            <a:fillRect/>
+          </a:stretch>
+        </p:blipFill>
         <p:spPr>
           <a:xfrm>
-            <a:off x="7729728" y="4462272"/>
-            <a:ext cx="1236236" cy="369332"/>
+            <a:off x="4303505" y="1903479"/>
+            <a:ext cx="3584989" cy="4772743"/>
           </a:xfrm>
           <a:prstGeom prst="rect">
             <a:avLst/>
           </a:prstGeom>
-          <a:noFill/>
         </p:spPr>
-        <p:txBody>
-          <a:bodyPr wrap="none" rtlCol="0">
-            <a:spAutoFit/>
-          </a:bodyPr>
-          <a:lstStyle/>
-          <a:p>
-            <a:r>
-              <a:rPr lang="en-US" dirty="0">
-                <a:solidFill>
-                  <a:srgbClr val="FF0000"/>
-                </a:solidFill>
-              </a:rPr>
-              <a:t>(confirm!)</a:t>
-            </a:r>
-          </a:p>
-        </p:txBody>
-      </p:sp>
+      </p:pic>
     </p:spTree>
     <p:extLst>
       <p:ext uri="{BB962C8B-B14F-4D97-AF65-F5344CB8AC3E}">
-        <p14:creationId xmlns:p14="http://schemas.microsoft.com/office/powerpoint/2010/main" val="1220409284"/>
+        <p14:creationId xmlns:p14="http://schemas.microsoft.com/office/powerpoint/2010/main" val="3889278597"/>
       </p:ext>
     </p:extLst>
   </p:cSld>
@@ -8988,7 +10072,7 @@
           <p:cNvPr id="2" name="Title 1">
             <a:extLst>
               <a:ext uri="{FF2B5EF4-FFF2-40B4-BE49-F238E27FC236}">
-                <a16:creationId xmlns:a16="http://schemas.microsoft.com/office/drawing/2014/main" id="{B092AD3A-DA61-E846-9061-53964E1323B4}"/>
+                <a16:creationId xmlns:a16="http://schemas.microsoft.com/office/drawing/2014/main" id="{E6F8447E-F138-E949-BFAB-A526097C7432}"/>
               </a:ext>
             </a:extLst>
           </p:cNvPr>
@@ -9007,167 +10091,106 @@
           <a:lstStyle/>
           <a:p>
             <a:r>
-              <a:rPr lang="en-US" dirty="0">
-                <a:solidFill>
-                  <a:srgbClr val="0432FF"/>
-                </a:solidFill>
-              </a:rPr>
-              <a:t>Complement of a DFA</a:t>
-            </a:r>
-          </a:p>
-        </p:txBody>
-      </p:sp>
-      <p:sp>
-        <p:nvSpPr>
-          <p:cNvPr id="3" name="Content Placeholder 2">
+              <a:rPr lang="en-US" dirty="0"/>
+              <a:t>Where all have derivatives gone?</a:t>
+            </a:r>
+          </a:p>
+        </p:txBody>
+      </p:sp>
+      <p:pic>
+        <p:nvPicPr>
+          <p:cNvPr id="7" name="Picture 6" descr="A screenshot of a social media post&#10;&#10;Description automatically generated">
             <a:extLst>
               <a:ext uri="{FF2B5EF4-FFF2-40B4-BE49-F238E27FC236}">
-                <a16:creationId xmlns:a16="http://schemas.microsoft.com/office/drawing/2014/main" id="{FB10BC50-A0A2-CA42-A400-B39E2437E41F}"/>
+                <a16:creationId xmlns:a16="http://schemas.microsoft.com/office/drawing/2014/main" id="{6F5D8F81-6D00-F14B-BC93-01B479F60116}"/>
               </a:ext>
             </a:extLst>
           </p:cNvPr>
-          <p:cNvSpPr>
-            <a:spLocks noGrp="1"/>
-          </p:cNvSpPr>
-          <p:nvPr>
-            <p:ph idx="1"/>
-          </p:nvPr>
-        </p:nvSpPr>
-        <p:spPr/>
-        <p:txBody>
-          <a:bodyPr>
-            <a:normAutofit/>
-          </a:bodyPr>
-          <a:lstStyle/>
-          <a:p>
-            <a:r>
-              <a:rPr lang="en-US" dirty="0"/>
-              <a:t>Given a DFA D  = </a:t>
-            </a:r>
-            <a:r>
-              <a:rPr lang="en-US" dirty="0">
-                <a:solidFill>
-                  <a:srgbClr val="0432FF"/>
-                </a:solidFill>
-              </a:rPr>
-              <a:t>(Q, Sigma, delta, q0, F) </a:t>
-            </a:r>
-            <a:endParaRPr lang="en-US" dirty="0"/>
-          </a:p>
-          <a:p>
-            <a:endParaRPr lang="en-US" dirty="0"/>
-          </a:p>
-          <a:p>
-            <a:r>
-              <a:rPr lang="en-US" dirty="0"/>
-              <a:t>What is the complement of D ?</a:t>
-            </a:r>
-          </a:p>
-          <a:p>
-            <a:endParaRPr lang="en-US" dirty="0"/>
-          </a:p>
-          <a:p>
-            <a:r>
-              <a:rPr lang="en-US" dirty="0"/>
-              <a:t>What are these items:</a:t>
-            </a:r>
-          </a:p>
-          <a:p>
-            <a:pPr lvl="1"/>
-            <a:r>
-              <a:rPr lang="en-US" dirty="0">
-                <a:solidFill>
-                  <a:srgbClr val="0432FF"/>
-                </a:solidFill>
-              </a:rPr>
-              <a:t>Q  =  </a:t>
-            </a:r>
-          </a:p>
-          <a:p>
-            <a:pPr lvl="1"/>
-            <a:r>
-              <a:rPr lang="en-US" dirty="0">
-                <a:solidFill>
-                  <a:srgbClr val="0432FF"/>
-                </a:solidFill>
-              </a:rPr>
-              <a:t>q0 =  </a:t>
-            </a:r>
-          </a:p>
-          <a:p>
-            <a:pPr lvl="1"/>
-            <a:r>
-              <a:rPr lang="en-US" dirty="0">
-                <a:solidFill>
-                  <a:srgbClr val="0432FF"/>
-                </a:solidFill>
-              </a:rPr>
-              <a:t>F   =   </a:t>
-            </a:r>
-          </a:p>
-          <a:p>
-            <a:pPr lvl="1"/>
-            <a:r>
-              <a:rPr lang="en-US" dirty="0"/>
-              <a:t>For x in Sigma, what is </a:t>
-            </a:r>
-            <a:r>
-              <a:rPr lang="en-US" dirty="0">
-                <a:solidFill>
-                  <a:srgbClr val="0432FF"/>
-                </a:solidFill>
-              </a:rPr>
-              <a:t>delta( q, x ) = ?</a:t>
-            </a:r>
-          </a:p>
-          <a:p>
-            <a:endParaRPr lang="en-US" dirty="0"/>
-          </a:p>
-        </p:txBody>
-      </p:sp>
-      <p:sp>
-        <p:nvSpPr>
-          <p:cNvPr id="4" name="TextBox 3">
-            <a:extLst>
-              <a:ext uri="{FF2B5EF4-FFF2-40B4-BE49-F238E27FC236}">
-                <a16:creationId xmlns:a16="http://schemas.microsoft.com/office/drawing/2014/main" id="{8EDFC300-850C-8E4F-8AD8-CA825292DDB1}"/>
-              </a:ext>
-            </a:extLst>
-          </p:cNvPr>
-          <p:cNvSpPr txBox="1"/>
+          <p:cNvPicPr>
+            <a:picLocks noChangeAspect="1"/>
+          </p:cNvPicPr>
           <p:nvPr/>
-        </p:nvSpPr>
+        </p:nvPicPr>
+        <p:blipFill>
+          <a:blip r:embed="rId2"/>
+          <a:stretch>
+            <a:fillRect/>
+          </a:stretch>
+        </p:blipFill>
         <p:spPr>
           <a:xfrm>
-            <a:off x="7729728" y="4462272"/>
-            <a:ext cx="2007281" cy="369332"/>
+            <a:off x="5796531" y="1448637"/>
+            <a:ext cx="6498046" cy="5268686"/>
           </a:xfrm>
           <a:prstGeom prst="rect">
             <a:avLst/>
           </a:prstGeom>
-          <a:noFill/>
         </p:spPr>
-        <p:txBody>
-          <a:bodyPr wrap="none" rtlCol="0">
-            <a:spAutoFit/>
-          </a:bodyPr>
-          <a:lstStyle/>
-          <a:p>
-            <a:r>
-              <a:rPr lang="en-US" dirty="0">
-                <a:solidFill>
-                  <a:srgbClr val="FF0000"/>
-                </a:solidFill>
-              </a:rPr>
-              <a:t>(pause / confirm)</a:t>
-            </a:r>
-          </a:p>
-        </p:txBody>
-      </p:sp>
+      </p:pic>
+      <p:pic>
+        <p:nvPicPr>
+          <p:cNvPr id="9" name="Picture 8" descr="A screenshot of a cell phone&#10;&#10;Description automatically generated">
+            <a:extLst>
+              <a:ext uri="{FF2B5EF4-FFF2-40B4-BE49-F238E27FC236}">
+                <a16:creationId xmlns:a16="http://schemas.microsoft.com/office/drawing/2014/main" id="{062426A0-866C-C14C-A80F-D3891B1ABC24}"/>
+              </a:ext>
+            </a:extLst>
+          </p:cNvPr>
+          <p:cNvPicPr>
+            <a:picLocks noChangeAspect="1"/>
+          </p:cNvPicPr>
+          <p:nvPr/>
+        </p:nvPicPr>
+        <p:blipFill>
+          <a:blip r:embed="rId3"/>
+          <a:stretch>
+            <a:fillRect/>
+          </a:stretch>
+        </p:blipFill>
+        <p:spPr>
+          <a:xfrm>
+            <a:off x="107085" y="1052684"/>
+            <a:ext cx="5849199" cy="3170973"/>
+          </a:xfrm>
+          <a:prstGeom prst="rect">
+            <a:avLst/>
+          </a:prstGeom>
+        </p:spPr>
+      </p:pic>
+      <p:pic>
+        <p:nvPicPr>
+          <p:cNvPr id="11" name="Picture 10">
+            <a:extLst>
+              <a:ext uri="{FF2B5EF4-FFF2-40B4-BE49-F238E27FC236}">
+                <a16:creationId xmlns:a16="http://schemas.microsoft.com/office/drawing/2014/main" id="{8385D063-38C0-D242-8DA0-EE619E4E4758}"/>
+              </a:ext>
+            </a:extLst>
+          </p:cNvPr>
+          <p:cNvPicPr>
+            <a:picLocks noChangeAspect="1"/>
+          </p:cNvPicPr>
+          <p:nvPr/>
+        </p:nvPicPr>
+        <p:blipFill>
+          <a:blip r:embed="rId4"/>
+          <a:stretch>
+            <a:fillRect/>
+          </a:stretch>
+        </p:blipFill>
+        <p:spPr>
+          <a:xfrm>
+            <a:off x="29307" y="4647807"/>
+            <a:ext cx="6992815" cy="550309"/>
+          </a:xfrm>
+          <a:prstGeom prst="rect">
+            <a:avLst/>
+          </a:prstGeom>
+        </p:spPr>
+      </p:pic>
     </p:spTree>
     <p:extLst>
       <p:ext uri="{BB962C8B-B14F-4D97-AF65-F5344CB8AC3E}">
-        <p14:creationId xmlns:p14="http://schemas.microsoft.com/office/powerpoint/2010/main" val="945394423"/>
+        <p14:creationId xmlns:p14="http://schemas.microsoft.com/office/powerpoint/2010/main" val="3337206426"/>
       </p:ext>
     </p:extLst>
   </p:cSld>
@@ -9199,7 +10222,7 @@
           <p:cNvPr id="2" name="Title 1">
             <a:extLst>
               <a:ext uri="{FF2B5EF4-FFF2-40B4-BE49-F238E27FC236}">
-                <a16:creationId xmlns:a16="http://schemas.microsoft.com/office/drawing/2014/main" id="{7F9C6935-28BD-CA44-8EE5-BD2E3AE2CE0A}"/>
+                <a16:creationId xmlns:a16="http://schemas.microsoft.com/office/drawing/2014/main" id="{E6F8447E-F138-E949-BFAB-A526097C7432}"/>
               </a:ext>
             </a:extLst>
           </p:cNvPr>
@@ -9219,19 +10242,7 @@
           <a:p>
             <a:r>
               <a:rPr lang="en-US" dirty="0"/>
-              <a:t>Uses of DFA ”Boolean Ops” </a:t>
-            </a:r>
-            <a:r>
-              <a:rPr lang="en-US" sz="2700" dirty="0"/>
-              <a:t>(U, intersection, </a:t>
-            </a:r>
-            <a:r>
-              <a:rPr lang="en-US" sz="2700" dirty="0" err="1"/>
-              <a:t>compl</a:t>
-            </a:r>
-            <a:r>
-              <a:rPr lang="en-US" sz="2700" dirty="0"/>
-              <a:t>)</a:t>
+              <a:t>AMA</a:t>
             </a:r>
           </a:p>
         </p:txBody>
@@ -9241,7 +10252,7 @@
           <p:cNvPr id="3" name="Content Placeholder 2">
             <a:extLst>
               <a:ext uri="{FF2B5EF4-FFF2-40B4-BE49-F238E27FC236}">
-                <a16:creationId xmlns:a16="http://schemas.microsoft.com/office/drawing/2014/main" id="{93EE788A-5457-BD49-95D6-17DA18C3A305}"/>
+                <a16:creationId xmlns:a16="http://schemas.microsoft.com/office/drawing/2014/main" id="{030DEE7F-F911-E342-9FD8-74B74E876BD8}"/>
               </a:ext>
             </a:extLst>
           </p:cNvPr>
@@ -9252,35 +10263,28 @@
             <p:ph idx="1"/>
           </p:nvPr>
         </p:nvSpPr>
-        <p:spPr>
-          <a:xfrm>
-            <a:off x="838200" y="1080948"/>
-            <a:ext cx="10515600" cy="5193551"/>
-          </a:xfrm>
-        </p:spPr>
-        <p:txBody>
-          <a:bodyPr>
-            <a:normAutofit/>
-          </a:bodyPr>
-          <a:lstStyle/>
-          <a:p>
-            <a:r>
-              <a:rPr lang="en-US" dirty="0"/>
-              <a:t>DFA Design for many languages can be simplified</a:t>
+        <p:spPr/>
+        <p:txBody>
+          <a:bodyPr/>
+          <a:lstStyle/>
+          <a:p>
+            <a:r>
+              <a:rPr lang="en-US" dirty="0"/>
+              <a:t>In response to surveys</a:t>
             </a:r>
           </a:p>
           <a:p>
             <a:pPr lvl="1"/>
             <a:r>
               <a:rPr lang="en-US" dirty="0"/>
-              <a:t>Example: Define a DFA that accept strings that</a:t>
-            </a:r>
-          </a:p>
-          <a:p>
-            <a:pPr lvl="2"/>
-            <a:r>
-              <a:rPr lang="en-US" dirty="0"/>
-              <a:t> DON’T’s begin with 010 AND DON’T’s end with 101</a:t>
+              <a:t>Immensely helps stay connected in an online class</a:t>
+            </a:r>
+          </a:p>
+          <a:p>
+            <a:pPr lvl="1"/>
+            <a:r>
+              <a:rPr lang="en-US" dirty="0"/>
+              <a:t>Will administer one next week</a:t>
             </a:r>
           </a:p>
           <a:p>
@@ -9289,60 +10293,25 @@
           <a:p>
             <a:r>
               <a:rPr lang="en-US" dirty="0"/>
-              <a:t>Can use </a:t>
-            </a:r>
-            <a:r>
-              <a:rPr lang="en-US" dirty="0" err="1"/>
-              <a:t>Demorgan’s</a:t>
-            </a:r>
-            <a:r>
-              <a:rPr lang="en-US" dirty="0"/>
-              <a:t> laws</a:t>
-            </a:r>
+              <a:t>Let’s design a few DFA</a:t>
+            </a:r>
+          </a:p>
+          <a:p>
+            <a:endParaRPr lang="en-US" dirty="0">
+              <a:solidFill>
+                <a:srgbClr val="FF0000"/>
+              </a:solidFill>
+            </a:endParaRPr>
           </a:p>
           <a:p>
             <a:pPr lvl="1"/>
             <a:r>
-              <a:rPr lang="en-US" dirty="0"/>
-              <a:t>Design for Begins with 010</a:t>
-            </a:r>
-          </a:p>
-          <a:p>
-            <a:pPr lvl="1"/>
-            <a:r>
-              <a:rPr lang="en-US" dirty="0"/>
-              <a:t>Design for End with 101</a:t>
-            </a:r>
-          </a:p>
-          <a:p>
-            <a:pPr lvl="1"/>
-            <a:r>
-              <a:rPr lang="en-US" dirty="0"/>
-              <a:t>OR them</a:t>
-            </a:r>
-          </a:p>
-          <a:p>
-            <a:pPr lvl="1"/>
-            <a:r>
-              <a:rPr lang="en-US" dirty="0"/>
-              <a:t>Complement them</a:t>
-            </a:r>
-          </a:p>
-          <a:p>
-            <a:pPr lvl="1"/>
-            <a:endParaRPr lang="en-US" dirty="0"/>
-          </a:p>
-          <a:p>
-            <a:r>
-              <a:rPr lang="en-US" dirty="0"/>
-              <a:t>Compare with a direct design of the given problem!</a:t>
-            </a:r>
-          </a:p>
-          <a:p>
-            <a:pPr lvl="1"/>
-            <a:r>
-              <a:rPr lang="en-US" dirty="0"/>
-              <a:t>This will be worked out in class interactively, by hand and by Jove</a:t>
+              <a:rPr lang="en-US" dirty="0">
+                <a:solidFill>
+                  <a:srgbClr val="FF0000"/>
+                </a:solidFill>
+              </a:rPr>
+              <a:t>Notebook in 02-DFA/AMA_9_10_20.ipynb</a:t>
             </a:r>
           </a:p>
         </p:txBody>
@@ -9350,7 +10319,7 @@
     </p:spTree>
     <p:extLst>
       <p:ext uri="{BB962C8B-B14F-4D97-AF65-F5344CB8AC3E}">
-        <p14:creationId xmlns:p14="http://schemas.microsoft.com/office/powerpoint/2010/main" val="939952039"/>
+        <p14:creationId xmlns:p14="http://schemas.microsoft.com/office/powerpoint/2010/main" val="3094989618"/>
       </p:ext>
     </p:extLst>
   </p:cSld>
@@ -9382,7 +10351,7 @@
           <p:cNvPr id="2" name="Title 1">
             <a:extLst>
               <a:ext uri="{FF2B5EF4-FFF2-40B4-BE49-F238E27FC236}">
-                <a16:creationId xmlns:a16="http://schemas.microsoft.com/office/drawing/2014/main" id="{9BEE3437-6265-4F4C-A5AE-4672BF78767F}"/>
+                <a16:creationId xmlns:a16="http://schemas.microsoft.com/office/drawing/2014/main" id="{E6F8447E-F138-E949-BFAB-A526097C7432}"/>
               </a:ext>
             </a:extLst>
           </p:cNvPr>
@@ -9402,7 +10371,7 @@
           <a:p>
             <a:r>
               <a:rPr lang="en-US" dirty="0"/>
-              <a:t>Checking one’s work</a:t>
+              <a:t>Overview of Lec-5</a:t>
             </a:r>
           </a:p>
         </p:txBody>
@@ -9412,7 +10381,7 @@
           <p:cNvPr id="3" name="Content Placeholder 2">
             <a:extLst>
               <a:ext uri="{FF2B5EF4-FFF2-40B4-BE49-F238E27FC236}">
-                <a16:creationId xmlns:a16="http://schemas.microsoft.com/office/drawing/2014/main" id="{7F9D8B3A-2472-4B4C-9437-99BF94DE07BB}"/>
+                <a16:creationId xmlns:a16="http://schemas.microsoft.com/office/drawing/2014/main" id="{030DEE7F-F911-E342-9FD8-74B74E876BD8}"/>
               </a:ext>
             </a:extLst>
           </p:cNvPr>
@@ -9430,68 +10399,51 @@
           <a:p>
             <a:r>
               <a:rPr lang="en-US" dirty="0"/>
-              <a:t>Since DFA designs are “tricky”, it is good to try and design it using two different approaches</a:t>
-            </a:r>
-          </a:p>
-          <a:p>
-            <a:endParaRPr lang="en-US" dirty="0"/>
-          </a:p>
-          <a:p>
-            <a:r>
-              <a:rPr lang="en-US" dirty="0"/>
-              <a:t>Then one can check one’s work thanks to one property:</a:t>
-            </a:r>
-          </a:p>
-          <a:p>
-            <a:endParaRPr lang="en-US" dirty="0"/>
-          </a:p>
-          <a:p>
-            <a:pPr marL="457200" lvl="1" indent="0">
-              <a:buNone/>
-            </a:pPr>
+              <a:t>Finish up DFA operations (from Lec-4)</a:t>
+            </a:r>
+          </a:p>
+          <a:p>
+            <a:pPr lvl="1"/>
+            <a:r>
+              <a:rPr lang="en-US" dirty="0"/>
+              <a:t>Union and Complement</a:t>
+            </a:r>
+          </a:p>
+          <a:p>
+            <a:pPr lvl="1"/>
+            <a:r>
+              <a:rPr lang="en-US" dirty="0"/>
+              <a:t>Value of having Intersection, Union, Complement</a:t>
+            </a:r>
+          </a:p>
+          <a:p>
+            <a:r>
+              <a:rPr lang="en-US" dirty="0"/>
+              <a:t>Very brief of Isomorphism and Language Equivalence</a:t>
+            </a:r>
+          </a:p>
+          <a:p>
+            <a:pPr lvl="1"/>
+            <a:r>
+              <a:rPr lang="en-US" dirty="0"/>
+              <a:t>You’ll be using these facilities in Asg-2</a:t>
+            </a:r>
+          </a:p>
+          <a:p>
+            <a:pPr lvl="1"/>
+            <a:r>
+              <a:rPr lang="en-US" dirty="0"/>
+              <a:t>Details of the minimization algorithm coming later</a:t>
+            </a:r>
+          </a:p>
+          <a:p>
             <a:r>
               <a:rPr lang="en-US" dirty="0">
                 <a:solidFill>
                   <a:srgbClr val="FF0000"/>
                 </a:solidFill>
               </a:rPr>
-              <a:t>“ If DFA D1 and D2 have the same language, then min(D1) and min(D2) </a:t>
-            </a:r>
-          </a:p>
-          <a:p>
-            <a:pPr marL="457200" lvl="1" indent="0">
-              <a:buNone/>
-            </a:pPr>
-            <a:r>
-              <a:rPr lang="en-US" dirty="0">
-                <a:solidFill>
-                  <a:srgbClr val="FF0000"/>
-                </a:solidFill>
-              </a:rPr>
-              <a:t>   are isomorphic”</a:t>
-            </a:r>
-          </a:p>
-          <a:p>
-            <a:pPr marL="457200" lvl="1" indent="0">
-              <a:buNone/>
-            </a:pPr>
-            <a:endParaRPr lang="en-US" dirty="0"/>
-          </a:p>
-          <a:p>
-            <a:pPr marL="457200" lvl="1" indent="0">
-              <a:buNone/>
-            </a:pPr>
-            <a:r>
-              <a:rPr lang="en-US" dirty="0"/>
-              <a:t>This is the </a:t>
-            </a:r>
-            <a:r>
-              <a:rPr lang="en-US" dirty="0" err="1"/>
-              <a:t>Myhill-Nerode</a:t>
-            </a:r>
-            <a:r>
-              <a:rPr lang="en-US" dirty="0"/>
-              <a:t> Theorem</a:t>
+              <a:t>Today’s main topic - NFA</a:t>
             </a:r>
           </a:p>
         </p:txBody>
@@ -9499,7 +10451,7 @@
     </p:spTree>
     <p:extLst>
       <p:ext uri="{BB962C8B-B14F-4D97-AF65-F5344CB8AC3E}">
-        <p14:creationId xmlns:p14="http://schemas.microsoft.com/office/powerpoint/2010/main" val="4245241078"/>
+        <p14:creationId xmlns:p14="http://schemas.microsoft.com/office/powerpoint/2010/main" val="1810987669"/>
       </p:ext>
     </p:extLst>
   </p:cSld>
@@ -9528,7 +10480,13 @@
       </p:grpSpPr>
       <p:sp>
         <p:nvSpPr>
-          <p:cNvPr id="2" name="Title 1"/>
+          <p:cNvPr id="2" name="Title 1">
+            <a:extLst>
+              <a:ext uri="{FF2B5EF4-FFF2-40B4-BE49-F238E27FC236}">
+                <a16:creationId xmlns:a16="http://schemas.microsoft.com/office/drawing/2014/main" id="{B092AD3A-DA61-E846-9061-53964E1323B4}"/>
+              </a:ext>
+            </a:extLst>
+          </p:cNvPr>
           <p:cNvSpPr>
             <a:spLocks noGrp="1"/>
           </p:cNvSpPr>
@@ -9536,12 +10494,7 @@
             <p:ph type="title"/>
           </p:nvPr>
         </p:nvSpPr>
-        <p:spPr>
-          <a:xfrm>
-            <a:off x="838200" y="112694"/>
-            <a:ext cx="10515600" cy="618286"/>
-          </a:xfrm>
-        </p:spPr>
+        <p:spPr/>
         <p:txBody>
           <a:bodyPr>
             <a:normAutofit fontScale="90000"/>
@@ -9549,18 +10502,22 @@
           <a:lstStyle/>
           <a:p>
             <a:r>
-              <a:rPr lang="en-US" dirty="0"/>
-              <a:t>Review: Graph Isomorphism</a:t>
-            </a:r>
-          </a:p>
-        </p:txBody>
-      </p:sp>
-      <p:sp>
-        <p:nvSpPr>
-          <p:cNvPr id="6" name="Content Placeholder 2">
+              <a:rPr lang="en-US" dirty="0">
+                <a:solidFill>
+                  <a:srgbClr val="0432FF"/>
+                </a:solidFill>
+              </a:rPr>
+              <a:t>Recap (solve the Union construction for DFA)</a:t>
+            </a:r>
+          </a:p>
+        </p:txBody>
+      </p:sp>
+      <p:sp>
+        <p:nvSpPr>
+          <p:cNvPr id="3" name="Content Placeholder 2">
             <a:extLst>
               <a:ext uri="{FF2B5EF4-FFF2-40B4-BE49-F238E27FC236}">
-                <a16:creationId xmlns:a16="http://schemas.microsoft.com/office/drawing/2014/main" id="{1E7E7918-53E6-0A47-8B21-0094EB22A010}"/>
+                <a16:creationId xmlns:a16="http://schemas.microsoft.com/office/drawing/2014/main" id="{FB10BC50-A0A2-CA42-A400-B39E2437E41F}"/>
               </a:ext>
             </a:extLst>
           </p:cNvPr>
@@ -9571,125 +10528,170 @@
             <p:ph idx="1"/>
           </p:nvPr>
         </p:nvSpPr>
-        <p:spPr>
-          <a:xfrm>
-            <a:off x="838200" y="1080949"/>
-            <a:ext cx="10515600" cy="2466924"/>
-          </a:xfrm>
-        </p:spPr>
+        <p:spPr/>
         <p:txBody>
           <a:bodyPr>
-            <a:normAutofit fontScale="85000" lnSpcReduction="20000"/>
+            <a:normAutofit/>
           </a:bodyPr>
           <a:lstStyle/>
           <a:p>
             <a:r>
               <a:rPr lang="en-US" dirty="0"/>
-              <a:t>Two graphs G1 and G2 are isomorphic if </a:t>
+              <a:t>Given two DFA D1  = </a:t>
+            </a:r>
+            <a:r>
+              <a:rPr lang="en-US" dirty="0">
+                <a:solidFill>
+                  <a:srgbClr val="0432FF"/>
+                </a:solidFill>
+              </a:rPr>
+              <a:t>(Q1, Sigma, delta1, q01, F1) </a:t>
+            </a:r>
+            <a:r>
+              <a:rPr lang="en-US" dirty="0"/>
+              <a:t>and </a:t>
+            </a:r>
+          </a:p>
+          <a:p>
+            <a:r>
+              <a:rPr lang="en-US" dirty="0"/>
+              <a:t>                       D2 = </a:t>
+            </a:r>
+            <a:r>
+              <a:rPr lang="en-US" dirty="0">
+                <a:solidFill>
+                  <a:srgbClr val="945200"/>
+                </a:solidFill>
+              </a:rPr>
+              <a:t>(Q2, Sigma, delta2, q02, F2)</a:t>
+            </a:r>
+          </a:p>
+          <a:p>
+            <a:r>
+              <a:rPr lang="en-US" dirty="0"/>
+              <a:t>Define a new DFA D such that L(D) = L(D1) </a:t>
+            </a:r>
+            <a:r>
+              <a:rPr lang="en-US" dirty="0">
+                <a:solidFill>
+                  <a:srgbClr val="FF0000"/>
+                </a:solidFill>
+              </a:rPr>
+              <a:t>Union</a:t>
+            </a:r>
+            <a:r>
+              <a:rPr lang="en-US" dirty="0"/>
+              <a:t> L(D2) </a:t>
+            </a:r>
+          </a:p>
+          <a:p>
+            <a:r>
+              <a:rPr lang="en-US" dirty="0"/>
+              <a:t>Let D = (Q, Sigma, delta, q0, F)</a:t>
+            </a:r>
+          </a:p>
+          <a:p>
+            <a:r>
+              <a:rPr lang="en-US" dirty="0"/>
+              <a:t>What are these items:</a:t>
             </a:r>
           </a:p>
           <a:p>
             <a:pPr lvl="1"/>
             <a:r>
-              <a:rPr lang="en-US" dirty="0"/>
-              <a:t>(Informal) If one can print G1 and G2, place them one on top of the other and match up states and transitions</a:t>
-            </a:r>
-          </a:p>
-          <a:p>
-            <a:pPr lvl="2"/>
-            <a:r>
-              <a:rPr lang="en-US" dirty="0"/>
-              <a:t>may have to ”pull” one graph and reshape it…</a:t>
-            </a:r>
-          </a:p>
-          <a:p>
-            <a:pPr lvl="2"/>
+              <a:rPr lang="en-US" dirty="0">
+                <a:solidFill>
+                  <a:srgbClr val="0432FF"/>
+                </a:solidFill>
+              </a:rPr>
+              <a:t>Q  =  ?</a:t>
+            </a:r>
+          </a:p>
+          <a:p>
+            <a:pPr lvl="1"/>
+            <a:r>
+              <a:rPr lang="en-US" dirty="0">
+                <a:solidFill>
+                  <a:srgbClr val="0432FF"/>
+                </a:solidFill>
+              </a:rPr>
+              <a:t>q0 =  ?</a:t>
+            </a:r>
+          </a:p>
+          <a:p>
+            <a:pPr lvl="1"/>
+            <a:r>
+              <a:rPr lang="en-US" dirty="0">
+                <a:solidFill>
+                  <a:srgbClr val="0432FF"/>
+                </a:solidFill>
+              </a:rPr>
+              <a:t>F   =  ?</a:t>
+            </a:r>
+          </a:p>
+          <a:p>
+            <a:pPr lvl="1"/>
+            <a:r>
+              <a:rPr lang="en-US" dirty="0"/>
+              <a:t>For x in Sigma, what is </a:t>
+            </a:r>
+            <a:r>
+              <a:rPr lang="en-US" dirty="0">
+                <a:solidFill>
+                  <a:srgbClr val="0432FF"/>
+                </a:solidFill>
+              </a:rPr>
+              <a:t>delta( (q1, q2), x ) = ?</a:t>
+            </a:r>
+          </a:p>
+          <a:p>
             <a:endParaRPr lang="en-US" dirty="0"/>
           </a:p>
-          <a:p>
-            <a:pPr lvl="1"/>
-            <a:r>
-              <a:rPr lang="en-US" dirty="0"/>
-              <a:t>(Formal) If there is a 1-1 and onto function that maps states to states and transitions to transitions</a:t>
-            </a:r>
-          </a:p>
-          <a:p>
-            <a:pPr lvl="1"/>
-            <a:endParaRPr lang="en-US" dirty="0"/>
-          </a:p>
-          <a:p>
-            <a:pPr lvl="1"/>
-            <a:r>
-              <a:rPr lang="en-US" dirty="0"/>
-              <a:t>(Example from Wikipedia)</a:t>
-            </a:r>
-          </a:p>
-        </p:txBody>
-      </p:sp>
-      <p:pic>
-        <p:nvPicPr>
-          <p:cNvPr id="7" name="Picture 6" descr="A picture containing ball, room&#10;&#10;Description automatically generated">
+        </p:txBody>
+      </p:sp>
+      <p:sp>
+        <p:nvSpPr>
+          <p:cNvPr id="4" name="TextBox 3">
             <a:extLst>
               <a:ext uri="{FF2B5EF4-FFF2-40B4-BE49-F238E27FC236}">
-                <a16:creationId xmlns:a16="http://schemas.microsoft.com/office/drawing/2014/main" id="{28FC2791-2EF9-E040-BCC7-1BDDEB538BC8}"/>
+                <a16:creationId xmlns:a16="http://schemas.microsoft.com/office/drawing/2014/main" id="{36949EA7-BC49-F34A-BD87-593FE34D5D49}"/>
               </a:ext>
             </a:extLst>
           </p:cNvPr>
-          <p:cNvPicPr>
-            <a:picLocks noChangeAspect="1"/>
-          </p:cNvPicPr>
+          <p:cNvSpPr txBox="1"/>
           <p:nvPr/>
-        </p:nvPicPr>
-        <p:blipFill>
-          <a:blip r:embed="rId2"/>
-          <a:stretch>
-            <a:fillRect/>
-          </a:stretch>
-        </p:blipFill>
+        </p:nvSpPr>
         <p:spPr>
           <a:xfrm>
-            <a:off x="5843735" y="2967486"/>
-            <a:ext cx="1470411" cy="3127075"/>
+            <a:off x="7729728" y="4462272"/>
+            <a:ext cx="976486" cy="369332"/>
           </a:xfrm>
           <a:prstGeom prst="rect">
             <a:avLst/>
           </a:prstGeom>
+          <a:noFill/>
         </p:spPr>
-      </p:pic>
-      <p:pic>
-        <p:nvPicPr>
-          <p:cNvPr id="9" name="Picture 8" descr="A picture containing ball, room, table&#10;&#10;Description automatically generated">
-            <a:extLst>
-              <a:ext uri="{FF2B5EF4-FFF2-40B4-BE49-F238E27FC236}">
-                <a16:creationId xmlns:a16="http://schemas.microsoft.com/office/drawing/2014/main" id="{04F04D82-E0FC-E449-BB05-9CFD57B4A10B}"/>
-              </a:ext>
-            </a:extLst>
-          </p:cNvPr>
-          <p:cNvPicPr>
-            <a:picLocks noChangeAspect="1"/>
-          </p:cNvPicPr>
-          <p:nvPr/>
-        </p:nvPicPr>
-        <p:blipFill>
-          <a:blip r:embed="rId3"/>
-          <a:stretch>
-            <a:fillRect/>
-          </a:stretch>
-        </p:blipFill>
-        <p:spPr>
-          <a:xfrm>
-            <a:off x="8361872" y="2967486"/>
-            <a:ext cx="3416060" cy="3416060"/>
-          </a:xfrm>
-          <a:prstGeom prst="rect">
-            <a:avLst/>
-          </a:prstGeom>
-        </p:spPr>
-      </p:pic>
+        <p:txBody>
+          <a:bodyPr wrap="none" rtlCol="0">
+            <a:spAutoFit/>
+          </a:bodyPr>
+          <a:lstStyle/>
+          <a:p>
+            <a:r>
+              <a:rPr lang="en-US" dirty="0">
+                <a:solidFill>
+                  <a:srgbClr val="FF0000"/>
+                </a:solidFill>
+              </a:rPr>
+              <a:t>(PAUSE)</a:t>
+            </a:r>
+          </a:p>
+        </p:txBody>
+      </p:sp>
     </p:spTree>
     <p:extLst>
       <p:ext uri="{BB962C8B-B14F-4D97-AF65-F5344CB8AC3E}">
-        <p14:creationId xmlns:p14="http://schemas.microsoft.com/office/powerpoint/2010/main" val="821671952"/>
+        <p14:creationId xmlns:p14="http://schemas.microsoft.com/office/powerpoint/2010/main" val="1658143677"/>
       </p:ext>
     </p:extLst>
   </p:cSld>
